--- a/doc/Presentation/Elevator_Control_Center.pptx
+++ b/doc/Presentation/Elevator_Control_Center.pptx
@@ -5,26 +5,24 @@
     <p:sldMasterId id="2147483720" r:id="rId4"/>
   </p:sldMasterIdLst>
   <p:notesMasterIdLst>
-    <p:notesMasterId r:id="rId19"/>
+    <p:notesMasterId r:id="rId17"/>
   </p:notesMasterIdLst>
   <p:handoutMasterIdLst>
-    <p:handoutMasterId r:id="rId20"/>
+    <p:handoutMasterId r:id="rId18"/>
   </p:handoutMasterIdLst>
   <p:sldIdLst>
     <p:sldId id="281" r:id="rId5"/>
-    <p:sldId id="284" r:id="rId6"/>
-    <p:sldId id="293" r:id="rId7"/>
-    <p:sldId id="285" r:id="rId8"/>
-    <p:sldId id="286" r:id="rId9"/>
-    <p:sldId id="287" r:id="rId10"/>
-    <p:sldId id="296" r:id="rId11"/>
-    <p:sldId id="288" r:id="rId12"/>
-    <p:sldId id="289" r:id="rId13"/>
-    <p:sldId id="290" r:id="rId14"/>
-    <p:sldId id="291" r:id="rId15"/>
-    <p:sldId id="292" r:id="rId16"/>
-    <p:sldId id="294" r:id="rId17"/>
-    <p:sldId id="295" r:id="rId18"/>
+    <p:sldId id="293" r:id="rId6"/>
+    <p:sldId id="285" r:id="rId7"/>
+    <p:sldId id="286" r:id="rId8"/>
+    <p:sldId id="287" r:id="rId9"/>
+    <p:sldId id="288" r:id="rId10"/>
+    <p:sldId id="289" r:id="rId11"/>
+    <p:sldId id="290" r:id="rId12"/>
+    <p:sldId id="291" r:id="rId13"/>
+    <p:sldId id="292" r:id="rId14"/>
+    <p:sldId id="294" r:id="rId15"/>
+    <p:sldId id="295" r:id="rId16"/>
   </p:sldIdLst>
   <p:sldSz cx="12192000" cy="6858000"/>
   <p:notesSz cx="6858000" cy="9144000"/>
@@ -888,91 +886,6 @@
             <a:fld id="{BCFAAAB6-A2C6-4A85-A3A1-98EFBA61C967}" type="slidenum">
               <a:rPr lang="de-DE" smtClean="0"/>
               <a:t>2</a:t>
-            </a:fld>
-            <a:endParaRPr lang="de-DE"/>
-          </a:p>
-        </p:txBody>
-      </p:sp>
-    </p:spTree>
-    <p:extLst>
-      <p:ext uri="{BB962C8B-B14F-4D97-AF65-F5344CB8AC3E}">
-        <p14:creationId xmlns:p14="http://schemas.microsoft.com/office/powerpoint/2010/main" val="1912043206"/>
-      </p:ext>
-    </p:extLst>
-  </p:cSld>
-  <p:clrMapOvr>
-    <a:masterClrMapping/>
-  </p:clrMapOvr>
-</p:notes>
-</file>
-
-<file path=ppt/notesSlides/notesSlide3.xml><?xml version="1.0" encoding="utf-8"?>
-<p:notes xmlns:a="http://schemas.openxmlformats.org/drawingml/2006/main" xmlns:r="http://schemas.openxmlformats.org/officeDocument/2006/relationships" xmlns:p="http://schemas.openxmlformats.org/presentationml/2006/main">
-  <p:cSld>
-    <p:spTree>
-      <p:nvGrpSpPr>
-        <p:cNvPr id="1" name=""/>
-        <p:cNvGrpSpPr/>
-        <p:nvPr/>
-      </p:nvGrpSpPr>
-      <p:grpSpPr>
-        <a:xfrm>
-          <a:off x="0" y="0"/>
-          <a:ext cx="0" cy="0"/>
-          <a:chOff x="0" y="0"/>
-          <a:chExt cx="0" cy="0"/>
-        </a:xfrm>
-      </p:grpSpPr>
-      <p:sp>
-        <p:nvSpPr>
-          <p:cNvPr id="2" name="Folienbildplatzhalter 1"/>
-          <p:cNvSpPr>
-            <a:spLocks noGrp="1" noRot="1" noChangeAspect="1"/>
-          </p:cNvSpPr>
-          <p:nvPr>
-            <p:ph type="sldImg"/>
-          </p:nvPr>
-        </p:nvSpPr>
-        <p:spPr/>
-      </p:sp>
-      <p:sp>
-        <p:nvSpPr>
-          <p:cNvPr id="3" name="Notizenplatzhalter 2"/>
-          <p:cNvSpPr>
-            <a:spLocks noGrp="1"/>
-          </p:cNvSpPr>
-          <p:nvPr>
-            <p:ph type="body" idx="1"/>
-          </p:nvPr>
-        </p:nvSpPr>
-        <p:spPr/>
-        <p:txBody>
-          <a:bodyPr/>
-          <a:lstStyle/>
-          <a:p>
-            <a:endParaRPr lang="de-DE"/>
-          </a:p>
-        </p:txBody>
-      </p:sp>
-      <p:sp>
-        <p:nvSpPr>
-          <p:cNvPr id="4" name="Foliennummernplatzhalter 3"/>
-          <p:cNvSpPr>
-            <a:spLocks noGrp="1"/>
-          </p:cNvSpPr>
-          <p:nvPr>
-            <p:ph type="sldNum" sz="quarter" idx="5"/>
-          </p:nvPr>
-        </p:nvSpPr>
-        <p:spPr/>
-        <p:txBody>
-          <a:bodyPr/>
-          <a:lstStyle/>
-          <a:p>
-            <a:pPr rtl="0"/>
-            <a:fld id="{BCFAAAB6-A2C6-4A85-A3A1-98EFBA61C967}" type="slidenum">
-              <a:rPr lang="de-DE" smtClean="0"/>
-              <a:t>3</a:t>
             </a:fld>
             <a:endParaRPr lang="de-DE"/>
           </a:p>
@@ -9267,7 +9180,7 @@
           <p:cNvPr id="2" name="Titel 1">
             <a:extLst>
               <a:ext uri="{FF2B5EF4-FFF2-40B4-BE49-F238E27FC236}">
-                <a16:creationId xmlns:a16="http://schemas.microsoft.com/office/drawing/2014/main" id="{F008132E-C053-459A-9B5E-C6F660FBB58D}"/>
+                <a16:creationId xmlns:a16="http://schemas.microsoft.com/office/drawing/2014/main" id="{E1C13F6F-2B91-42AE-BD67-1C680431B222}"/>
               </a:ext>
             </a:extLst>
           </p:cNvPr>
@@ -9285,11 +9198,7 @@
           <a:p>
             <a:r>
               <a:rPr lang="de-AT" dirty="0"/>
-              <a:t>Statische Codeanalyse mit </a:t>
-            </a:r>
-            <a:r>
-              <a:rPr lang="de-AT" dirty="0" err="1"/>
-              <a:t>SonarCloud</a:t>
+              <a:t>Testkonzept</a:t>
             </a:r>
             <a:endParaRPr lang="en-US" dirty="0"/>
           </a:p>
@@ -9297,18 +9206,18 @@
       </p:sp>
       <p:sp>
         <p:nvSpPr>
-          <p:cNvPr id="5" name="Fußzeilenplatzhalter 4">
-            <a:extLst>
-              <a:ext uri="{FF2B5EF4-FFF2-40B4-BE49-F238E27FC236}">
-                <a16:creationId xmlns:a16="http://schemas.microsoft.com/office/drawing/2014/main" id="{C3928259-A60D-4A49-AE0E-F7D01896CBC5}"/>
-              </a:ext>
-            </a:extLst>
-          </p:cNvPr>
-          <p:cNvSpPr>
-            <a:spLocks noGrp="1"/>
-          </p:cNvSpPr>
-          <p:nvPr>
-            <p:ph type="ftr" sz="quarter" idx="11"/>
+          <p:cNvPr id="3" name="Inhaltsplatzhalter 2">
+            <a:extLst>
+              <a:ext uri="{FF2B5EF4-FFF2-40B4-BE49-F238E27FC236}">
+                <a16:creationId xmlns:a16="http://schemas.microsoft.com/office/drawing/2014/main" id="{9D818B11-6F3F-42ED-ADEB-9A39C76829EB}"/>
+              </a:ext>
+            </a:extLst>
+          </p:cNvPr>
+          <p:cNvSpPr>
+            <a:spLocks noGrp="1"/>
+          </p:cNvSpPr>
+          <p:nvPr>
+            <p:ph idx="1"/>
           </p:nvPr>
         </p:nvSpPr>
         <p:spPr/>
@@ -9317,6 +9226,66 @@
           <a:lstStyle/>
           <a:p>
             <a:r>
+              <a:rPr lang="en-US" dirty="0">
+                <a:hlinkClick r:id="rId2"/>
+              </a:rPr>
+              <a:t>https://github.com/fhhagenberg-sqe-esd-ws20/elevator-control-center-team-c/tree/master</a:t>
+            </a:r>
+            <a:endParaRPr lang="en-US" dirty="0"/>
+          </a:p>
+        </p:txBody>
+      </p:sp>
+      <p:sp>
+        <p:nvSpPr>
+          <p:cNvPr id="4" name="Datumsplatzhalter 3">
+            <a:extLst>
+              <a:ext uri="{FF2B5EF4-FFF2-40B4-BE49-F238E27FC236}">
+                <a16:creationId xmlns:a16="http://schemas.microsoft.com/office/drawing/2014/main" id="{F1014452-E1F1-4B31-AF22-CAEF52C9EA72}"/>
+              </a:ext>
+            </a:extLst>
+          </p:cNvPr>
+          <p:cNvSpPr>
+            <a:spLocks noGrp="1"/>
+          </p:cNvSpPr>
+          <p:nvPr>
+            <p:ph type="dt" sz="half" idx="10"/>
+          </p:nvPr>
+        </p:nvSpPr>
+        <p:spPr/>
+        <p:txBody>
+          <a:bodyPr/>
+          <a:lstStyle/>
+          <a:p>
+            <a:pPr rtl="0"/>
+            <a:r>
+              <a:rPr lang="de-DE" noProof="0"/>
+              <a:t>04.09.20XX</a:t>
+            </a:r>
+          </a:p>
+        </p:txBody>
+      </p:sp>
+      <p:sp>
+        <p:nvSpPr>
+          <p:cNvPr id="5" name="Fußzeilenplatzhalter 4">
+            <a:extLst>
+              <a:ext uri="{FF2B5EF4-FFF2-40B4-BE49-F238E27FC236}">
+                <a16:creationId xmlns:a16="http://schemas.microsoft.com/office/drawing/2014/main" id="{226EFDD0-84E7-416A-B609-E0821B254CA1}"/>
+              </a:ext>
+            </a:extLst>
+          </p:cNvPr>
+          <p:cNvSpPr>
+            <a:spLocks noGrp="1"/>
+          </p:cNvSpPr>
+          <p:nvPr>
+            <p:ph type="ftr" sz="quarter" idx="11"/>
+          </p:nvPr>
+        </p:nvSpPr>
+        <p:spPr/>
+        <p:txBody>
+          <a:bodyPr/>
+          <a:lstStyle/>
+          <a:p>
+            <a:r>
               <a:rPr lang="de-DE" dirty="0"/>
               <a:t>Elevator Control Center</a:t>
             </a:r>
@@ -9328,7 +9297,7 @@
           <p:cNvPr id="6" name="Foliennummernplatzhalter 5">
             <a:extLst>
               <a:ext uri="{FF2B5EF4-FFF2-40B4-BE49-F238E27FC236}">
-                <a16:creationId xmlns:a16="http://schemas.microsoft.com/office/drawing/2014/main" id="{1B8AF8AE-6C22-49F1-8697-B09D71F89F97}"/>
+                <a16:creationId xmlns:a16="http://schemas.microsoft.com/office/drawing/2014/main" id="{9C778A40-B0E5-413A-906C-99BDE1FE7B1C}"/>
               </a:ext>
             </a:extLst>
           </p:cNvPr>
@@ -9353,39 +9322,10 @@
           </a:p>
         </p:txBody>
       </p:sp>
-      <p:pic>
-        <p:nvPicPr>
-          <p:cNvPr id="20" name="Inhaltsplatzhalter 19">
-            <a:extLst>
-              <a:ext uri="{FF2B5EF4-FFF2-40B4-BE49-F238E27FC236}">
-                <a16:creationId xmlns:a16="http://schemas.microsoft.com/office/drawing/2014/main" id="{2181D423-0956-47CD-A247-05B1F9C66B0A}"/>
-              </a:ext>
-            </a:extLst>
-          </p:cNvPr>
-          <p:cNvPicPr>
-            <a:picLocks noGrp="1" noChangeAspect="1"/>
-          </p:cNvPicPr>
-          <p:nvPr>
-            <p:ph idx="1"/>
-          </p:nvPr>
-        </p:nvPicPr>
-        <p:blipFill>
-          <a:blip r:embed="rId2"/>
-          <a:stretch>
-            <a:fillRect/>
-          </a:stretch>
-        </p:blipFill>
-        <p:spPr>
-          <a:xfrm>
-            <a:off x="3499828" y="2085893"/>
-            <a:ext cx="5192343" cy="4332295"/>
-          </a:xfrm>
-        </p:spPr>
-      </p:pic>
     </p:spTree>
     <p:extLst>
       <p:ext uri="{BB962C8B-B14F-4D97-AF65-F5344CB8AC3E}">
-        <p14:creationId xmlns:p14="http://schemas.microsoft.com/office/powerpoint/2010/main" val="3523648098"/>
+        <p14:creationId xmlns:p14="http://schemas.microsoft.com/office/powerpoint/2010/main" val="1739413451"/>
       </p:ext>
     </p:extLst>
   </p:cSld>
@@ -9417,7 +9357,7 @@
           <p:cNvPr id="2" name="Titel 1">
             <a:extLst>
               <a:ext uri="{FF2B5EF4-FFF2-40B4-BE49-F238E27FC236}">
-                <a16:creationId xmlns:a16="http://schemas.microsoft.com/office/drawing/2014/main" id="{22BFFBC9-A8C4-40C7-B88E-EDFA18CE4F8A}"/>
+                <a16:creationId xmlns:a16="http://schemas.microsoft.com/office/drawing/2014/main" id="{FFF077B4-FAAF-4D8A-9C3C-372B86993B0C}"/>
               </a:ext>
             </a:extLst>
           </p:cNvPr>
@@ -9435,7 +9375,7 @@
           <a:p>
             <a:r>
               <a:rPr lang="de-AT" dirty="0"/>
-              <a:t>Metriken</a:t>
+              <a:t>Gesammelte Erkenntnisse</a:t>
             </a:r>
             <a:endParaRPr lang="en-US" dirty="0"/>
           </a:p>
@@ -9446,7 +9386,7 @@
           <p:cNvPr id="3" name="Inhaltsplatzhalter 2">
             <a:extLst>
               <a:ext uri="{FF2B5EF4-FFF2-40B4-BE49-F238E27FC236}">
-                <a16:creationId xmlns:a16="http://schemas.microsoft.com/office/drawing/2014/main" id="{6E5281FC-6D2B-4B23-8782-834AB79B4E01}"/>
+                <a16:creationId xmlns:a16="http://schemas.microsoft.com/office/drawing/2014/main" id="{01FF4E9F-1835-46E5-BA81-B373ED47CED4}"/>
               </a:ext>
             </a:extLst>
           </p:cNvPr>
@@ -9455,6 +9395,89 @@
           </p:cNvSpPr>
           <p:nvPr>
             <p:ph idx="1"/>
+          </p:nvPr>
+        </p:nvSpPr>
+        <p:spPr/>
+        <p:txBody>
+          <a:bodyPr>
+            <a:normAutofit fontScale="92500" lnSpcReduction="10000"/>
+          </a:bodyPr>
+          <a:lstStyle/>
+          <a:p>
+            <a:r>
+              <a:rPr lang="de-AT" dirty="0"/>
+              <a:t>Unit Tests vereinfachen kleine Codeänderungen</a:t>
+            </a:r>
+          </a:p>
+          <a:p>
+            <a:r>
+              <a:rPr lang="de-AT" dirty="0"/>
+              <a:t>Automatische Tests verursachen Hemmungen bei Strukturänderungen</a:t>
+            </a:r>
+          </a:p>
+          <a:p>
+            <a:r>
+              <a:rPr lang="de-AT" dirty="0"/>
+              <a:t>Viel Entwicklungszeit fließt in Umstrukturierung und Tests</a:t>
+            </a:r>
+          </a:p>
+          <a:p>
+            <a:r>
+              <a:rPr lang="de-AT" dirty="0"/>
+              <a:t>Unit </a:t>
+            </a:r>
+            <a:r>
+              <a:rPr lang="de-AT" dirty="0" err="1"/>
+              <a:t>Testing</a:t>
+            </a:r>
+            <a:r>
+              <a:rPr lang="de-AT" dirty="0"/>
+              <a:t> erfordert bessere Softwarearchitektur</a:t>
+            </a:r>
+          </a:p>
+          <a:p>
+            <a:r>
+              <a:rPr lang="de-AT" dirty="0" err="1"/>
+              <a:t>Mockito</a:t>
+            </a:r>
+            <a:r>
+              <a:rPr lang="de-AT" dirty="0"/>
+              <a:t> erleichtert das Testen</a:t>
+            </a:r>
+          </a:p>
+          <a:p>
+            <a:r>
+              <a:rPr lang="de-AT" dirty="0"/>
+              <a:t>Liste </a:t>
+            </a:r>
+            <a:r>
+              <a:rPr lang="de-AT"/>
+              <a:t>als Status </a:t>
+            </a:r>
+            <a:r>
+              <a:rPr lang="de-AT" dirty="0"/>
+              <a:t>besser</a:t>
+            </a:r>
+          </a:p>
+          <a:p>
+            <a:endParaRPr lang="en-US" dirty="0"/>
+          </a:p>
+        </p:txBody>
+      </p:sp>
+      <p:sp>
+        <p:nvSpPr>
+          <p:cNvPr id="5" name="Fußzeilenplatzhalter 4">
+            <a:extLst>
+              <a:ext uri="{FF2B5EF4-FFF2-40B4-BE49-F238E27FC236}">
+                <a16:creationId xmlns:a16="http://schemas.microsoft.com/office/drawing/2014/main" id="{3A62D2B7-1E12-468F-AAA2-CF4A13FDC423}"/>
+              </a:ext>
+            </a:extLst>
+          </p:cNvPr>
+          <p:cNvSpPr>
+            <a:spLocks noGrp="1"/>
+          </p:cNvSpPr>
+          <p:nvPr>
+            <p:ph type="ftr" sz="quarter" idx="11"/>
           </p:nvPr>
         </p:nvSpPr>
         <p:spPr/>
@@ -9463,87 +9486,6 @@
           <a:lstStyle/>
           <a:p>
             <a:r>
-              <a:rPr lang="de-AT" dirty="0"/>
-              <a:t>1.5k Lines </a:t>
-            </a:r>
-            <a:r>
-              <a:rPr lang="de-AT" dirty="0" err="1"/>
-              <a:t>of</a:t>
-            </a:r>
-            <a:r>
-              <a:rPr lang="de-AT" dirty="0"/>
-              <a:t> code</a:t>
-            </a:r>
-          </a:p>
-          <a:p>
-            <a:r>
-              <a:rPr lang="de-AT" dirty="0"/>
-              <a:t>243 </a:t>
-            </a:r>
-            <a:r>
-              <a:rPr lang="de-AT" dirty="0" err="1"/>
-              <a:t>Commits</a:t>
-            </a:r>
-            <a:endParaRPr lang="de-AT" dirty="0"/>
-          </a:p>
-          <a:p>
-            <a:r>
-              <a:rPr lang="de-AT" dirty="0"/>
-              <a:t>60 Pull </a:t>
-            </a:r>
-            <a:r>
-              <a:rPr lang="de-AT" dirty="0" err="1"/>
-              <a:t>Requests</a:t>
-            </a:r>
-            <a:endParaRPr lang="de-AT" dirty="0"/>
-          </a:p>
-          <a:p>
-            <a:r>
-              <a:rPr lang="de-AT" dirty="0"/>
-              <a:t>87% Code Coverage</a:t>
-            </a:r>
-          </a:p>
-          <a:p>
-            <a:r>
-              <a:rPr lang="de-AT" dirty="0"/>
-              <a:t>172 Unit Tests</a:t>
-            </a:r>
-          </a:p>
-          <a:p>
-            <a:r>
-              <a:rPr lang="de-AT" dirty="0"/>
-              <a:t>Zusätzliche Implementierung des </a:t>
-            </a:r>
-            <a:r>
-              <a:rPr lang="de-AT" dirty="0" err="1"/>
-              <a:t>Automodes</a:t>
-            </a:r>
-            <a:endParaRPr lang="en-US" dirty="0"/>
-          </a:p>
-        </p:txBody>
-      </p:sp>
-      <p:sp>
-        <p:nvSpPr>
-          <p:cNvPr id="5" name="Fußzeilenplatzhalter 4">
-            <a:extLst>
-              <a:ext uri="{FF2B5EF4-FFF2-40B4-BE49-F238E27FC236}">
-                <a16:creationId xmlns:a16="http://schemas.microsoft.com/office/drawing/2014/main" id="{059DC9B0-9DD3-4A27-A619-35735231619C}"/>
-              </a:ext>
-            </a:extLst>
-          </p:cNvPr>
-          <p:cNvSpPr>
-            <a:spLocks noGrp="1"/>
-          </p:cNvSpPr>
-          <p:nvPr>
-            <p:ph type="ftr" sz="quarter" idx="11"/>
-          </p:nvPr>
-        </p:nvSpPr>
-        <p:spPr/>
-        <p:txBody>
-          <a:bodyPr/>
-          <a:lstStyle/>
-          <a:p>
-            <a:r>
               <a:rPr lang="de-DE" dirty="0"/>
               <a:t>Elevator Control Center</a:t>
             </a:r>
@@ -9555,7 +9497,7 @@
           <p:cNvPr id="6" name="Foliennummernplatzhalter 5">
             <a:extLst>
               <a:ext uri="{FF2B5EF4-FFF2-40B4-BE49-F238E27FC236}">
-                <a16:creationId xmlns:a16="http://schemas.microsoft.com/office/drawing/2014/main" id="{F404EBBE-93B2-4C35-96EC-A795161BB877}"/>
+                <a16:creationId xmlns:a16="http://schemas.microsoft.com/office/drawing/2014/main" id="{75939168-31AF-42CE-AF08-7811EC85B70A}"/>
               </a:ext>
             </a:extLst>
           </p:cNvPr>
@@ -9583,7 +9525,7 @@
     </p:spTree>
     <p:extLst>
       <p:ext uri="{BB962C8B-B14F-4D97-AF65-F5344CB8AC3E}">
-        <p14:creationId xmlns:p14="http://schemas.microsoft.com/office/powerpoint/2010/main" val="2694401005"/>
+        <p14:creationId xmlns:p14="http://schemas.microsoft.com/office/powerpoint/2010/main" val="2017934908"/>
       </p:ext>
     </p:extLst>
   </p:cSld>
@@ -9615,7 +9557,7 @@
           <p:cNvPr id="2" name="Titel 1">
             <a:extLst>
               <a:ext uri="{FF2B5EF4-FFF2-40B4-BE49-F238E27FC236}">
-                <a16:creationId xmlns:a16="http://schemas.microsoft.com/office/drawing/2014/main" id="{E1C13F6F-2B91-42AE-BD67-1C680431B222}"/>
+                <a16:creationId xmlns:a16="http://schemas.microsoft.com/office/drawing/2014/main" id="{BA3E7787-ACFD-4608-B861-108DFD5D9771}"/>
               </a:ext>
             </a:extLst>
           </p:cNvPr>
@@ -9632,8 +9574,16 @@
           <a:lstStyle/>
           <a:p>
             <a:r>
-              <a:rPr lang="de-AT" dirty="0"/>
-              <a:t>Test Techniken -&gt; Lukas Diagramm</a:t>
+              <a:rPr lang="en-US" dirty="0" err="1"/>
+              <a:t>Gelöste</a:t>
+            </a:r>
+            <a:r>
+              <a:rPr lang="en-US" dirty="0"/>
+              <a:t> </a:t>
+            </a:r>
+            <a:r>
+              <a:rPr lang="en-US" dirty="0" err="1"/>
+              <a:t>Probleme</a:t>
             </a:r>
             <a:endParaRPr lang="en-US" dirty="0"/>
           </a:p>
@@ -9644,7 +9594,7 @@
           <p:cNvPr id="3" name="Inhaltsplatzhalter 2">
             <a:extLst>
               <a:ext uri="{FF2B5EF4-FFF2-40B4-BE49-F238E27FC236}">
-                <a16:creationId xmlns:a16="http://schemas.microsoft.com/office/drawing/2014/main" id="{9D818B11-6F3F-42ED-ADEB-9A39C76829EB}"/>
+                <a16:creationId xmlns:a16="http://schemas.microsoft.com/office/drawing/2014/main" id="{6697D7DD-14F0-4988-BF38-CB4999DB8801}"/>
               </a:ext>
             </a:extLst>
           </p:cNvPr>
@@ -9660,24 +9610,51 @@
           <a:bodyPr/>
           <a:lstStyle/>
           <a:p>
+            <a:r>
+              <a:rPr lang="en-US" dirty="0" err="1"/>
+              <a:t>Thread.sleep</a:t>
+            </a:r>
             <a:endParaRPr lang="en-US" dirty="0"/>
           </a:p>
-        </p:txBody>
-      </p:sp>
-      <p:sp>
-        <p:nvSpPr>
-          <p:cNvPr id="4" name="Datumsplatzhalter 3">
-            <a:extLst>
-              <a:ext uri="{FF2B5EF4-FFF2-40B4-BE49-F238E27FC236}">
-                <a16:creationId xmlns:a16="http://schemas.microsoft.com/office/drawing/2014/main" id="{F1014452-E1F1-4B31-AF22-CAEF52C9EA72}"/>
-              </a:ext>
-            </a:extLst>
-          </p:cNvPr>
-          <p:cNvSpPr>
-            <a:spLocks noGrp="1"/>
-          </p:cNvSpPr>
-          <p:nvPr>
-            <p:ph type="dt" sz="half" idx="10"/>
+          <a:p>
+            <a:r>
+              <a:rPr lang="en-US" dirty="0" err="1"/>
+              <a:t>Archiktur</a:t>
+            </a:r>
+            <a:r>
+              <a:rPr lang="en-US" dirty="0"/>
+              <a:t> -&gt; Interfaces Leichter </a:t>
+            </a:r>
+            <a:r>
+              <a:rPr lang="en-US" dirty="0" err="1"/>
+              <a:t>zu</a:t>
+            </a:r>
+            <a:r>
+              <a:rPr lang="en-US" dirty="0"/>
+              <a:t> </a:t>
+            </a:r>
+            <a:r>
+              <a:rPr lang="en-US" dirty="0" err="1"/>
+              <a:t>mocken</a:t>
+            </a:r>
+            <a:endParaRPr lang="en-US" dirty="0"/>
+          </a:p>
+        </p:txBody>
+      </p:sp>
+      <p:sp>
+        <p:nvSpPr>
+          <p:cNvPr id="5" name="Fußzeilenplatzhalter 4">
+            <a:extLst>
+              <a:ext uri="{FF2B5EF4-FFF2-40B4-BE49-F238E27FC236}">
+                <a16:creationId xmlns:a16="http://schemas.microsoft.com/office/drawing/2014/main" id="{AA7880CD-BAF7-47B7-A765-87356D91F991}"/>
+              </a:ext>
+            </a:extLst>
+          </p:cNvPr>
+          <p:cNvSpPr>
+            <a:spLocks noGrp="1"/>
+          </p:cNvSpPr>
+          <p:nvPr>
+            <p:ph type="ftr" sz="quarter" idx="11"/>
           </p:nvPr>
         </p:nvSpPr>
         <p:spPr/>
@@ -9685,35 +9662,6 @@
           <a:bodyPr/>
           <a:lstStyle/>
           <a:p>
-            <a:pPr rtl="0"/>
-            <a:r>
-              <a:rPr lang="de-DE" noProof="0"/>
-              <a:t>04.09.20XX</a:t>
-            </a:r>
-          </a:p>
-        </p:txBody>
-      </p:sp>
-      <p:sp>
-        <p:nvSpPr>
-          <p:cNvPr id="5" name="Fußzeilenplatzhalter 4">
-            <a:extLst>
-              <a:ext uri="{FF2B5EF4-FFF2-40B4-BE49-F238E27FC236}">
-                <a16:creationId xmlns:a16="http://schemas.microsoft.com/office/drawing/2014/main" id="{226EFDD0-84E7-416A-B609-E0821B254CA1}"/>
-              </a:ext>
-            </a:extLst>
-          </p:cNvPr>
-          <p:cNvSpPr>
-            <a:spLocks noGrp="1"/>
-          </p:cNvSpPr>
-          <p:nvPr>
-            <p:ph type="ftr" sz="quarter" idx="11"/>
-          </p:nvPr>
-        </p:nvSpPr>
-        <p:spPr/>
-        <p:txBody>
-          <a:bodyPr/>
-          <a:lstStyle/>
-          <a:p>
             <a:r>
               <a:rPr lang="de-DE" dirty="0"/>
               <a:t>Elevator Control Center</a:t>
@@ -9726,7 +9674,7 @@
           <p:cNvPr id="6" name="Foliennummernplatzhalter 5">
             <a:extLst>
               <a:ext uri="{FF2B5EF4-FFF2-40B4-BE49-F238E27FC236}">
-                <a16:creationId xmlns:a16="http://schemas.microsoft.com/office/drawing/2014/main" id="{9C778A40-B0E5-413A-906C-99BDE1FE7B1C}"/>
+                <a16:creationId xmlns:a16="http://schemas.microsoft.com/office/drawing/2014/main" id="{C52BEA7B-051D-4216-A9DC-D7D0D709C31B}"/>
               </a:ext>
             </a:extLst>
           </p:cNvPr>
@@ -9746,359 +9694,6 @@
             <a:fld id="{A65A5C87-DF58-40C8-B092-1DE63DB4547E}" type="slidenum">
               <a:rPr lang="de-DE" noProof="0" smtClean="0"/>
               <a:t>12</a:t>
-            </a:fld>
-            <a:endParaRPr lang="de-DE" noProof="0"/>
-          </a:p>
-        </p:txBody>
-      </p:sp>
-    </p:spTree>
-    <p:extLst>
-      <p:ext uri="{BB962C8B-B14F-4D97-AF65-F5344CB8AC3E}">
-        <p14:creationId xmlns:p14="http://schemas.microsoft.com/office/powerpoint/2010/main" val="1739413451"/>
-      </p:ext>
-    </p:extLst>
-  </p:cSld>
-  <p:clrMapOvr>
-    <a:masterClrMapping/>
-  </p:clrMapOvr>
-</p:sld>
-</file>
-
-<file path=ppt/slides/slide13.xml><?xml version="1.0" encoding="utf-8"?>
-<p:sld xmlns:a="http://schemas.openxmlformats.org/drawingml/2006/main" xmlns:r="http://schemas.openxmlformats.org/officeDocument/2006/relationships" xmlns:p="http://schemas.openxmlformats.org/presentationml/2006/main">
-  <p:cSld>
-    <p:spTree>
-      <p:nvGrpSpPr>
-        <p:cNvPr id="1" name=""/>
-        <p:cNvGrpSpPr/>
-        <p:nvPr/>
-      </p:nvGrpSpPr>
-      <p:grpSpPr>
-        <a:xfrm>
-          <a:off x="0" y="0"/>
-          <a:ext cx="0" cy="0"/>
-          <a:chOff x="0" y="0"/>
-          <a:chExt cx="0" cy="0"/>
-        </a:xfrm>
-      </p:grpSpPr>
-      <p:sp>
-        <p:nvSpPr>
-          <p:cNvPr id="2" name="Titel 1">
-            <a:extLst>
-              <a:ext uri="{FF2B5EF4-FFF2-40B4-BE49-F238E27FC236}">
-                <a16:creationId xmlns:a16="http://schemas.microsoft.com/office/drawing/2014/main" id="{FFF077B4-FAAF-4D8A-9C3C-372B86993B0C}"/>
-              </a:ext>
-            </a:extLst>
-          </p:cNvPr>
-          <p:cNvSpPr>
-            <a:spLocks noGrp="1"/>
-          </p:cNvSpPr>
-          <p:nvPr>
-            <p:ph type="title"/>
-          </p:nvPr>
-        </p:nvSpPr>
-        <p:spPr/>
-        <p:txBody>
-          <a:bodyPr/>
-          <a:lstStyle/>
-          <a:p>
-            <a:r>
-              <a:rPr lang="de-AT" dirty="0"/>
-              <a:t>Gesammelte Erkenntnisse</a:t>
-            </a:r>
-            <a:endParaRPr lang="en-US" dirty="0"/>
-          </a:p>
-        </p:txBody>
-      </p:sp>
-      <p:sp>
-        <p:nvSpPr>
-          <p:cNvPr id="3" name="Inhaltsplatzhalter 2">
-            <a:extLst>
-              <a:ext uri="{FF2B5EF4-FFF2-40B4-BE49-F238E27FC236}">
-                <a16:creationId xmlns:a16="http://schemas.microsoft.com/office/drawing/2014/main" id="{01FF4E9F-1835-46E5-BA81-B373ED47CED4}"/>
-              </a:ext>
-            </a:extLst>
-          </p:cNvPr>
-          <p:cNvSpPr>
-            <a:spLocks noGrp="1"/>
-          </p:cNvSpPr>
-          <p:nvPr>
-            <p:ph idx="1"/>
-          </p:nvPr>
-        </p:nvSpPr>
-        <p:spPr/>
-        <p:txBody>
-          <a:bodyPr>
-            <a:normAutofit fontScale="92500" lnSpcReduction="10000"/>
-          </a:bodyPr>
-          <a:lstStyle/>
-          <a:p>
-            <a:r>
-              <a:rPr lang="de-AT" dirty="0"/>
-              <a:t>Unit Tests vereinfachen kleine Codeänderungen</a:t>
-            </a:r>
-          </a:p>
-          <a:p>
-            <a:r>
-              <a:rPr lang="de-AT" dirty="0"/>
-              <a:t>Automatische Tests verursachen Hemmungen bei Strukturänderungen</a:t>
-            </a:r>
-          </a:p>
-          <a:p>
-            <a:r>
-              <a:rPr lang="de-AT" dirty="0"/>
-              <a:t>Viel Entwicklungszeit fließt in Umstrukturierung und Tests</a:t>
-            </a:r>
-          </a:p>
-          <a:p>
-            <a:r>
-              <a:rPr lang="de-AT" dirty="0"/>
-              <a:t>Unit </a:t>
-            </a:r>
-            <a:r>
-              <a:rPr lang="de-AT" dirty="0" err="1"/>
-              <a:t>Testing</a:t>
-            </a:r>
-            <a:r>
-              <a:rPr lang="de-AT" dirty="0"/>
-              <a:t> erfordert bessere Softwarearchitektur</a:t>
-            </a:r>
-          </a:p>
-          <a:p>
-            <a:r>
-              <a:rPr lang="de-AT" dirty="0"/>
-              <a:t>Tests bei denen Timing wichtig ist, sind schwierig zu erstellen</a:t>
-            </a:r>
-          </a:p>
-          <a:p>
-            <a:r>
-              <a:rPr lang="de-AT" dirty="0" err="1"/>
-              <a:t>Mockito</a:t>
-            </a:r>
-            <a:r>
-              <a:rPr lang="de-AT" dirty="0"/>
-              <a:t> erleichtert das Testen</a:t>
-            </a:r>
-          </a:p>
-          <a:p>
-            <a:endParaRPr lang="en-US" dirty="0"/>
-          </a:p>
-        </p:txBody>
-      </p:sp>
-      <p:sp>
-        <p:nvSpPr>
-          <p:cNvPr id="5" name="Fußzeilenplatzhalter 4">
-            <a:extLst>
-              <a:ext uri="{FF2B5EF4-FFF2-40B4-BE49-F238E27FC236}">
-                <a16:creationId xmlns:a16="http://schemas.microsoft.com/office/drawing/2014/main" id="{3A62D2B7-1E12-468F-AAA2-CF4A13FDC423}"/>
-              </a:ext>
-            </a:extLst>
-          </p:cNvPr>
-          <p:cNvSpPr>
-            <a:spLocks noGrp="1"/>
-          </p:cNvSpPr>
-          <p:nvPr>
-            <p:ph type="ftr" sz="quarter" idx="11"/>
-          </p:nvPr>
-        </p:nvSpPr>
-        <p:spPr/>
-        <p:txBody>
-          <a:bodyPr/>
-          <a:lstStyle/>
-          <a:p>
-            <a:r>
-              <a:rPr lang="de-DE" dirty="0"/>
-              <a:t>Elevator Control Center</a:t>
-            </a:r>
-          </a:p>
-        </p:txBody>
-      </p:sp>
-      <p:sp>
-        <p:nvSpPr>
-          <p:cNvPr id="6" name="Foliennummernplatzhalter 5">
-            <a:extLst>
-              <a:ext uri="{FF2B5EF4-FFF2-40B4-BE49-F238E27FC236}">
-                <a16:creationId xmlns:a16="http://schemas.microsoft.com/office/drawing/2014/main" id="{75939168-31AF-42CE-AF08-7811EC85B70A}"/>
-              </a:ext>
-            </a:extLst>
-          </p:cNvPr>
-          <p:cNvSpPr>
-            <a:spLocks noGrp="1"/>
-          </p:cNvSpPr>
-          <p:nvPr>
-            <p:ph type="sldNum" sz="quarter" idx="12"/>
-          </p:nvPr>
-        </p:nvSpPr>
-        <p:spPr/>
-        <p:txBody>
-          <a:bodyPr/>
-          <a:lstStyle/>
-          <a:p>
-            <a:pPr rtl="0"/>
-            <a:fld id="{A65A5C87-DF58-40C8-B092-1DE63DB4547E}" type="slidenum">
-              <a:rPr lang="de-DE" noProof="0" smtClean="0"/>
-              <a:t>13</a:t>
-            </a:fld>
-            <a:endParaRPr lang="de-DE" noProof="0"/>
-          </a:p>
-        </p:txBody>
-      </p:sp>
-    </p:spTree>
-    <p:extLst>
-      <p:ext uri="{BB962C8B-B14F-4D97-AF65-F5344CB8AC3E}">
-        <p14:creationId xmlns:p14="http://schemas.microsoft.com/office/powerpoint/2010/main" val="2017934908"/>
-      </p:ext>
-    </p:extLst>
-  </p:cSld>
-  <p:clrMapOvr>
-    <a:masterClrMapping/>
-  </p:clrMapOvr>
-</p:sld>
-</file>
-
-<file path=ppt/slides/slide14.xml><?xml version="1.0" encoding="utf-8"?>
-<p:sld xmlns:a="http://schemas.openxmlformats.org/drawingml/2006/main" xmlns:r="http://schemas.openxmlformats.org/officeDocument/2006/relationships" xmlns:p="http://schemas.openxmlformats.org/presentationml/2006/main">
-  <p:cSld>
-    <p:spTree>
-      <p:nvGrpSpPr>
-        <p:cNvPr id="1" name=""/>
-        <p:cNvGrpSpPr/>
-        <p:nvPr/>
-      </p:nvGrpSpPr>
-      <p:grpSpPr>
-        <a:xfrm>
-          <a:off x="0" y="0"/>
-          <a:ext cx="0" cy="0"/>
-          <a:chOff x="0" y="0"/>
-          <a:chExt cx="0" cy="0"/>
-        </a:xfrm>
-      </p:grpSpPr>
-      <p:sp>
-        <p:nvSpPr>
-          <p:cNvPr id="2" name="Titel 1">
-            <a:extLst>
-              <a:ext uri="{FF2B5EF4-FFF2-40B4-BE49-F238E27FC236}">
-                <a16:creationId xmlns:a16="http://schemas.microsoft.com/office/drawing/2014/main" id="{BA3E7787-ACFD-4608-B861-108DFD5D9771}"/>
-              </a:ext>
-            </a:extLst>
-          </p:cNvPr>
-          <p:cNvSpPr>
-            <a:spLocks noGrp="1"/>
-          </p:cNvSpPr>
-          <p:nvPr>
-            <p:ph type="title"/>
-          </p:nvPr>
-        </p:nvSpPr>
-        <p:spPr/>
-        <p:txBody>
-          <a:bodyPr/>
-          <a:lstStyle/>
-          <a:p>
-            <a:r>
-              <a:rPr lang="en-US" dirty="0" err="1"/>
-              <a:t>Gelöste</a:t>
-            </a:r>
-            <a:r>
-              <a:rPr lang="en-US" dirty="0"/>
-              <a:t> </a:t>
-            </a:r>
-            <a:r>
-              <a:rPr lang="en-US" dirty="0" err="1"/>
-              <a:t>Probleme</a:t>
-            </a:r>
-            <a:endParaRPr lang="en-US" dirty="0"/>
-          </a:p>
-        </p:txBody>
-      </p:sp>
-      <p:sp>
-        <p:nvSpPr>
-          <p:cNvPr id="3" name="Inhaltsplatzhalter 2">
-            <a:extLst>
-              <a:ext uri="{FF2B5EF4-FFF2-40B4-BE49-F238E27FC236}">
-                <a16:creationId xmlns:a16="http://schemas.microsoft.com/office/drawing/2014/main" id="{6697D7DD-14F0-4988-BF38-CB4999DB8801}"/>
-              </a:ext>
-            </a:extLst>
-          </p:cNvPr>
-          <p:cNvSpPr>
-            <a:spLocks noGrp="1"/>
-          </p:cNvSpPr>
-          <p:nvPr>
-            <p:ph idx="1"/>
-          </p:nvPr>
-        </p:nvSpPr>
-        <p:spPr/>
-        <p:txBody>
-          <a:bodyPr/>
-          <a:lstStyle/>
-          <a:p>
-            <a:r>
-              <a:rPr lang="en-US" dirty="0" err="1"/>
-              <a:t>Thread.sleep</a:t>
-            </a:r>
-            <a:endParaRPr lang="en-US" dirty="0"/>
-          </a:p>
-          <a:p>
-            <a:r>
-              <a:rPr lang="en-US" dirty="0" err="1"/>
-              <a:t>Architektur</a:t>
-            </a:r>
-            <a:endParaRPr lang="en-US" dirty="0"/>
-          </a:p>
-        </p:txBody>
-      </p:sp>
-      <p:sp>
-        <p:nvSpPr>
-          <p:cNvPr id="5" name="Fußzeilenplatzhalter 4">
-            <a:extLst>
-              <a:ext uri="{FF2B5EF4-FFF2-40B4-BE49-F238E27FC236}">
-                <a16:creationId xmlns:a16="http://schemas.microsoft.com/office/drawing/2014/main" id="{AA7880CD-BAF7-47B7-A765-87356D91F991}"/>
-              </a:ext>
-            </a:extLst>
-          </p:cNvPr>
-          <p:cNvSpPr>
-            <a:spLocks noGrp="1"/>
-          </p:cNvSpPr>
-          <p:nvPr>
-            <p:ph type="ftr" sz="quarter" idx="11"/>
-          </p:nvPr>
-        </p:nvSpPr>
-        <p:spPr/>
-        <p:txBody>
-          <a:bodyPr/>
-          <a:lstStyle/>
-          <a:p>
-            <a:r>
-              <a:rPr lang="de-DE" dirty="0"/>
-              <a:t>Elevator Control Center</a:t>
-            </a:r>
-          </a:p>
-        </p:txBody>
-      </p:sp>
-      <p:sp>
-        <p:nvSpPr>
-          <p:cNvPr id="6" name="Foliennummernplatzhalter 5">
-            <a:extLst>
-              <a:ext uri="{FF2B5EF4-FFF2-40B4-BE49-F238E27FC236}">
-                <a16:creationId xmlns:a16="http://schemas.microsoft.com/office/drawing/2014/main" id="{C52BEA7B-051D-4216-A9DC-D7D0D709C31B}"/>
-              </a:ext>
-            </a:extLst>
-          </p:cNvPr>
-          <p:cNvSpPr>
-            <a:spLocks noGrp="1"/>
-          </p:cNvSpPr>
-          <p:nvPr>
-            <p:ph type="sldNum" sz="quarter" idx="12"/>
-          </p:nvPr>
-        </p:nvSpPr>
-        <p:spPr/>
-        <p:txBody>
-          <a:bodyPr/>
-          <a:lstStyle/>
-          <a:p>
-            <a:pPr rtl="0"/>
-            <a:fld id="{A65A5C87-DF58-40C8-B092-1DE63DB4547E}" type="slidenum">
-              <a:rPr lang="de-DE" noProof="0" smtClean="0"/>
-              <a:t>14</a:t>
             </a:fld>
             <a:endParaRPr lang="de-DE" noProof="0"/>
           </a:p>
@@ -10152,41 +9747,13 @@
         </p:nvSpPr>
         <p:spPr/>
         <p:txBody>
-          <a:bodyPr rtlCol="0">
-            <a:normAutofit fontScale="90000"/>
-          </a:bodyPr>
+          <a:bodyPr rtlCol="0"/>
           <a:lstStyle/>
           <a:p>
             <a:pPr rtl="0"/>
             <a:r>
-              <a:rPr lang="de-DE" dirty="0" err="1"/>
-              <a:t>Architectural</a:t>
-            </a:r>
-            <a:r>
               <a:rPr lang="de-DE" dirty="0"/>
-              <a:t> </a:t>
-            </a:r>
-            <a:r>
-              <a:rPr lang="de-DE" dirty="0" err="1"/>
-              <a:t>overview</a:t>
-            </a:r>
-            <a:r>
-              <a:rPr lang="de-DE" dirty="0"/>
-              <a:t>,</a:t>
-            </a:r>
-            <a:br>
-              <a:rPr lang="de-DE" dirty="0"/>
-            </a:br>
-            <a:r>
-              <a:rPr lang="de-DE" dirty="0"/>
-              <a:t> Klassendiagramm erklären </a:t>
-            </a:r>
-            <a:br>
-              <a:rPr lang="de-DE" dirty="0"/>
-            </a:br>
-            <a:r>
-              <a:rPr lang="de-DE" dirty="0"/>
-              <a:t>-&gt; Stefan</a:t>
+              <a:t>Optimieren der Codequalität</a:t>
             </a:r>
           </a:p>
         </p:txBody>
@@ -10270,10 +9837,80 @@
         <p:spPr/>
         <p:txBody>
           <a:bodyPr>
-            <a:normAutofit/>
+            <a:normAutofit fontScale="92500" lnSpcReduction="20000"/>
           </a:bodyPr>
           <a:lstStyle/>
           <a:p>
+            <a:r>
+              <a:rPr lang="de-AT" dirty="0" err="1"/>
+              <a:t>Continuous</a:t>
+            </a:r>
+            <a:r>
+              <a:rPr lang="de-AT" dirty="0"/>
+              <a:t> Integration</a:t>
+            </a:r>
+          </a:p>
+          <a:p>
+            <a:pPr lvl="1"/>
+            <a:r>
+              <a:rPr lang="de-AT" dirty="0"/>
+              <a:t>Automatisierte Unit Tests</a:t>
+            </a:r>
+          </a:p>
+          <a:p>
+            <a:pPr lvl="1"/>
+            <a:r>
+              <a:rPr lang="de-AT" dirty="0"/>
+              <a:t>Automatisierte Integration Tests</a:t>
+            </a:r>
+          </a:p>
+          <a:p>
+            <a:pPr lvl="1"/>
+            <a:r>
+              <a:rPr lang="de-AT" dirty="0"/>
+              <a:t>Hoch halten der Code Coverage</a:t>
+            </a:r>
+          </a:p>
+          <a:p>
+            <a:r>
+              <a:rPr lang="de-AT" dirty="0"/>
+              <a:t>Manuelles Testen der Anwendung</a:t>
+            </a:r>
+          </a:p>
+          <a:p>
+            <a:r>
+              <a:rPr lang="de-AT" dirty="0"/>
+              <a:t>Bugfixes und neue Features auf </a:t>
+            </a:r>
+            <a:r>
+              <a:rPr lang="de-AT" dirty="0" err="1"/>
+              <a:t>Branches</a:t>
+            </a:r>
+            <a:endParaRPr lang="de-AT" dirty="0"/>
+          </a:p>
+          <a:p>
+            <a:r>
+              <a:rPr lang="de-AT" dirty="0"/>
+              <a:t>Pull </a:t>
+            </a:r>
+            <a:r>
+              <a:rPr lang="de-AT" dirty="0" err="1"/>
+              <a:t>Requests</a:t>
+            </a:r>
+            <a:r>
+              <a:rPr lang="de-AT" dirty="0"/>
+              <a:t> mit gegenseitigem Review</a:t>
+            </a:r>
+          </a:p>
+          <a:p>
+            <a:r>
+              <a:rPr lang="de-AT" dirty="0" err="1"/>
+              <a:t>SonarCloud</a:t>
+            </a:r>
+            <a:r>
+              <a:rPr lang="de-AT" dirty="0"/>
+              <a:t> für statische Analyse</a:t>
+            </a:r>
             <a:endParaRPr lang="en-US" dirty="0"/>
           </a:p>
         </p:txBody>
@@ -10281,7 +9918,7 @@
     </p:spTree>
     <p:extLst>
       <p:ext uri="{BB962C8B-B14F-4D97-AF65-F5344CB8AC3E}">
-        <p14:creationId xmlns:p14="http://schemas.microsoft.com/office/powerpoint/2010/main" val="1505521033"/>
+        <p14:creationId xmlns:p14="http://schemas.microsoft.com/office/powerpoint/2010/main" val="388750475"/>
       </p:ext>
     </p:extLst>
   </p:cSld>
@@ -10313,7 +9950,7 @@
           <p:cNvPr id="2" name="Titel 1">
             <a:extLst>
               <a:ext uri="{FF2B5EF4-FFF2-40B4-BE49-F238E27FC236}">
-                <a16:creationId xmlns:a16="http://schemas.microsoft.com/office/drawing/2014/main" id="{A5E209E4-B947-4446-AD42-C1B3A0C1F583}"/>
+                <a16:creationId xmlns:a16="http://schemas.microsoft.com/office/drawing/2014/main" id="{C679E507-B540-4D4A-9EC1-195210DF02D6}"/>
               </a:ext>
             </a:extLst>
           </p:cNvPr>
@@ -10326,23 +9963,87 @@
         </p:nvSpPr>
         <p:spPr/>
         <p:txBody>
-          <a:bodyPr rtlCol="0"/>
+          <a:bodyPr/>
           <a:lstStyle/>
           <a:p>
+            <a:r>
+              <a:rPr lang="de-AT" dirty="0" err="1"/>
+              <a:t>Continuous</a:t>
+            </a:r>
+            <a:r>
+              <a:rPr lang="de-AT" dirty="0"/>
+              <a:t> Integration</a:t>
+            </a:r>
+            <a:endParaRPr lang="en-US" dirty="0"/>
+          </a:p>
+        </p:txBody>
+      </p:sp>
+      <p:sp>
+        <p:nvSpPr>
+          <p:cNvPr id="6" name="Foliennummernplatzhalter 5">
+            <a:extLst>
+              <a:ext uri="{FF2B5EF4-FFF2-40B4-BE49-F238E27FC236}">
+                <a16:creationId xmlns:a16="http://schemas.microsoft.com/office/drawing/2014/main" id="{24BA27D1-A244-4A70-A0BF-4CA18D3D9652}"/>
+              </a:ext>
+            </a:extLst>
+          </p:cNvPr>
+          <p:cNvSpPr>
+            <a:spLocks noGrp="1"/>
+          </p:cNvSpPr>
+          <p:nvPr>
+            <p:ph type="sldNum" sz="quarter" idx="12"/>
+          </p:nvPr>
+        </p:nvSpPr>
+        <p:spPr/>
+        <p:txBody>
+          <a:bodyPr/>
+          <a:lstStyle/>
+          <a:p>
             <a:pPr rtl="0"/>
-            <a:r>
-              <a:rPr lang="de-DE" dirty="0"/>
-              <a:t>Optimieren der Codequalität</a:t>
-            </a:r>
-          </a:p>
-        </p:txBody>
-      </p:sp>
-      <p:sp>
-        <p:nvSpPr>
-          <p:cNvPr id="8" name="Fußzeilenplatzhalter 4">
-            <a:extLst>
-              <a:ext uri="{FF2B5EF4-FFF2-40B4-BE49-F238E27FC236}">
-                <a16:creationId xmlns:a16="http://schemas.microsoft.com/office/drawing/2014/main" id="{D65C8300-CD8E-4F35-9B79-C5DE7AD9DCDE}"/>
+            <a:fld id="{A65A5C87-DF58-40C8-B092-1DE63DB4547E}" type="slidenum">
+              <a:rPr lang="de-DE" noProof="0" smtClean="0"/>
+              <a:t>3</a:t>
+            </a:fld>
+            <a:endParaRPr lang="de-DE" noProof="0"/>
+          </a:p>
+        </p:txBody>
+      </p:sp>
+      <p:pic>
+        <p:nvPicPr>
+          <p:cNvPr id="12" name="Grafik 11">
+            <a:extLst>
+              <a:ext uri="{FF2B5EF4-FFF2-40B4-BE49-F238E27FC236}">
+                <a16:creationId xmlns:a16="http://schemas.microsoft.com/office/drawing/2014/main" id="{8CEFEEC1-2DEC-430F-8953-7117EB33AA10}"/>
+              </a:ext>
+            </a:extLst>
+          </p:cNvPr>
+          <p:cNvPicPr>
+            <a:picLocks noChangeAspect="1"/>
+          </p:cNvPicPr>
+          <p:nvPr/>
+        </p:nvPicPr>
+        <p:blipFill>
+          <a:blip r:embed="rId2"/>
+          <a:stretch>
+            <a:fillRect/>
+          </a:stretch>
+        </p:blipFill>
+        <p:spPr>
+          <a:xfrm>
+            <a:off x="1632857" y="2049199"/>
+            <a:ext cx="8224194" cy="4161641"/>
+          </a:xfrm>
+          <a:prstGeom prst="rect">
+            <a:avLst/>
+          </a:prstGeom>
+        </p:spPr>
+      </p:pic>
+      <p:sp>
+        <p:nvSpPr>
+          <p:cNvPr id="13" name="Fußzeilenplatzhalter 4">
+            <a:extLst>
+              <a:ext uri="{FF2B5EF4-FFF2-40B4-BE49-F238E27FC236}">
+                <a16:creationId xmlns:a16="http://schemas.microsoft.com/office/drawing/2014/main" id="{96B535EB-2209-4F98-BE1A-0B326017BBEE}"/>
               </a:ext>
             </a:extLst>
           </p:cNvPr>
@@ -10353,9 +10054,14 @@
             <p:ph type="ftr" sz="quarter" idx="11"/>
           </p:nvPr>
         </p:nvSpPr>
-        <p:spPr/>
-        <p:txBody>
-          <a:bodyPr rtlCol="0"/>
+        <p:spPr>
+          <a:xfrm>
+            <a:off x="4038600" y="6349260"/>
+            <a:ext cx="4114800" cy="365125"/>
+          </a:xfrm>
+        </p:spPr>
+        <p:txBody>
+          <a:bodyPr/>
           <a:lstStyle/>
           <a:p>
             <a:pPr rtl="0"/>
@@ -10363,137 +10069,13 @@
               <a:rPr lang="de-DE" dirty="0"/>
               <a:t>Elevator Control Center</a:t>
             </a:r>
-          </a:p>
-        </p:txBody>
-      </p:sp>
-      <p:sp>
-        <p:nvSpPr>
-          <p:cNvPr id="10" name="Foliennummernplatzhalter 5">
-            <a:extLst>
-              <a:ext uri="{FF2B5EF4-FFF2-40B4-BE49-F238E27FC236}">
-                <a16:creationId xmlns:a16="http://schemas.microsoft.com/office/drawing/2014/main" id="{4E797B30-1740-4A68-A40B-1D255EBC2F17}"/>
-              </a:ext>
-            </a:extLst>
-          </p:cNvPr>
-          <p:cNvSpPr>
-            <a:spLocks noGrp="1"/>
-          </p:cNvSpPr>
-          <p:nvPr>
-            <p:ph type="sldNum" sz="quarter" idx="12"/>
-          </p:nvPr>
-        </p:nvSpPr>
-        <p:spPr/>
-        <p:txBody>
-          <a:bodyPr rtlCol="0"/>
-          <a:lstStyle/>
-          <a:p>
-            <a:pPr rtl="0"/>
-            <a:fld id="{A65A5C87-DF58-40C8-B092-1DE63DB4547E}" type="slidenum">
-              <a:rPr lang="de-DE" smtClean="0"/>
-              <a:pPr rtl="0"/>
-              <a:t>3</a:t>
-            </a:fld>
-            <a:endParaRPr lang="de-DE" dirty="0"/>
-          </a:p>
-        </p:txBody>
-      </p:sp>
-      <p:sp>
-        <p:nvSpPr>
-          <p:cNvPr id="4" name="Inhaltsplatzhalter 3">
-            <a:extLst>
-              <a:ext uri="{FF2B5EF4-FFF2-40B4-BE49-F238E27FC236}">
-                <a16:creationId xmlns:a16="http://schemas.microsoft.com/office/drawing/2014/main" id="{D93FFAF4-DCD2-4138-A1E4-89EC7E8A71C4}"/>
-              </a:ext>
-            </a:extLst>
-          </p:cNvPr>
-          <p:cNvSpPr>
-            <a:spLocks noGrp="1"/>
-          </p:cNvSpPr>
-          <p:nvPr>
-            <p:ph idx="1"/>
-          </p:nvPr>
-        </p:nvSpPr>
-        <p:spPr/>
-        <p:txBody>
-          <a:bodyPr>
-            <a:normAutofit fontScale="92500" lnSpcReduction="20000"/>
-          </a:bodyPr>
-          <a:lstStyle/>
-          <a:p>
-            <a:r>
-              <a:rPr lang="de-AT" dirty="0" err="1"/>
-              <a:t>Continuous</a:t>
-            </a:r>
-            <a:r>
-              <a:rPr lang="de-AT" dirty="0"/>
-              <a:t> Integration</a:t>
-            </a:r>
-          </a:p>
-          <a:p>
-            <a:pPr lvl="1"/>
-            <a:r>
-              <a:rPr lang="de-AT" dirty="0"/>
-              <a:t>Automatisierte Unit Tests</a:t>
-            </a:r>
-          </a:p>
-          <a:p>
-            <a:pPr lvl="1"/>
-            <a:r>
-              <a:rPr lang="de-AT" dirty="0"/>
-              <a:t>Automatisierte Integration Tests</a:t>
-            </a:r>
-          </a:p>
-          <a:p>
-            <a:pPr lvl="1"/>
-            <a:r>
-              <a:rPr lang="de-AT" dirty="0"/>
-              <a:t>Hoch halten der Code Coverage</a:t>
-            </a:r>
-          </a:p>
-          <a:p>
-            <a:r>
-              <a:rPr lang="de-AT" dirty="0"/>
-              <a:t>Manuelles Testen der Anwendung</a:t>
-            </a:r>
-          </a:p>
-          <a:p>
-            <a:r>
-              <a:rPr lang="de-AT" dirty="0"/>
-              <a:t>Bugfixes und neue Features auf </a:t>
-            </a:r>
-            <a:r>
-              <a:rPr lang="de-AT" dirty="0" err="1"/>
-              <a:t>Branches</a:t>
-            </a:r>
-            <a:endParaRPr lang="de-AT" dirty="0"/>
-          </a:p>
-          <a:p>
-            <a:r>
-              <a:rPr lang="de-AT" dirty="0"/>
-              <a:t>Pull </a:t>
-            </a:r>
-            <a:r>
-              <a:rPr lang="de-AT" dirty="0" err="1"/>
-              <a:t>Requests</a:t>
-            </a:r>
-            <a:r>
-              <a:rPr lang="de-AT" dirty="0"/>
-              <a:t> mit gegenseitigem Review</a:t>
-            </a:r>
-          </a:p>
-          <a:p>
-            <a:r>
-              <a:rPr lang="de-AT" dirty="0"/>
-              <a:t>Sonar Cloud für statische Analyse</a:t>
-            </a:r>
-            <a:endParaRPr lang="en-US" dirty="0"/>
           </a:p>
         </p:txBody>
       </p:sp>
     </p:spTree>
     <p:extLst>
       <p:ext uri="{BB962C8B-B14F-4D97-AF65-F5344CB8AC3E}">
-        <p14:creationId xmlns:p14="http://schemas.microsoft.com/office/powerpoint/2010/main" val="388750475"/>
+        <p14:creationId xmlns:p14="http://schemas.microsoft.com/office/powerpoint/2010/main" val="1516081396"/>
       </p:ext>
     </p:extLst>
   </p:cSld>
@@ -10525,7 +10107,7 @@
           <p:cNvPr id="2" name="Titel 1">
             <a:extLst>
               <a:ext uri="{FF2B5EF4-FFF2-40B4-BE49-F238E27FC236}">
-                <a16:creationId xmlns:a16="http://schemas.microsoft.com/office/drawing/2014/main" id="{C679E507-B540-4D4A-9EC1-195210DF02D6}"/>
+                <a16:creationId xmlns:a16="http://schemas.microsoft.com/office/drawing/2014/main" id="{D2FA62FF-65C2-4326-A9DD-F28F6C945B0D}"/>
               </a:ext>
             </a:extLst>
           </p:cNvPr>
@@ -10542,12 +10124,8 @@
           <a:lstStyle/>
           <a:p>
             <a:r>
-              <a:rPr lang="de-AT" dirty="0" err="1"/>
-              <a:t>Continuous</a:t>
-            </a:r>
-            <a:r>
               <a:rPr lang="de-AT" dirty="0"/>
-              <a:t> Integration</a:t>
+              <a:t>Unit und Integration Tests</a:t>
             </a:r>
             <a:endParaRPr lang="en-US" dirty="0"/>
           </a:p>
@@ -10555,10 +10133,39 @@
       </p:sp>
       <p:sp>
         <p:nvSpPr>
+          <p:cNvPr id="5" name="Fußzeilenplatzhalter 4">
+            <a:extLst>
+              <a:ext uri="{FF2B5EF4-FFF2-40B4-BE49-F238E27FC236}">
+                <a16:creationId xmlns:a16="http://schemas.microsoft.com/office/drawing/2014/main" id="{BFB23D42-AB8D-4AB4-8D32-49B84D8D2B8A}"/>
+              </a:ext>
+            </a:extLst>
+          </p:cNvPr>
+          <p:cNvSpPr>
+            <a:spLocks noGrp="1"/>
+          </p:cNvSpPr>
+          <p:nvPr>
+            <p:ph type="ftr" sz="quarter" idx="11"/>
+          </p:nvPr>
+        </p:nvSpPr>
+        <p:spPr/>
+        <p:txBody>
+          <a:bodyPr/>
+          <a:lstStyle/>
+          <a:p>
+            <a:pPr rtl="0"/>
+            <a:r>
+              <a:rPr lang="de-DE" dirty="0"/>
+              <a:t>Elevator Control Center</a:t>
+            </a:r>
+          </a:p>
+        </p:txBody>
+      </p:sp>
+      <p:sp>
+        <p:nvSpPr>
           <p:cNvPr id="6" name="Foliennummernplatzhalter 5">
             <a:extLst>
               <a:ext uri="{FF2B5EF4-FFF2-40B4-BE49-F238E27FC236}">
-                <a16:creationId xmlns:a16="http://schemas.microsoft.com/office/drawing/2014/main" id="{24BA27D1-A244-4A70-A0BF-4CA18D3D9652}"/>
+                <a16:creationId xmlns:a16="http://schemas.microsoft.com/office/drawing/2014/main" id="{A036F8F4-A8C8-4058-A2BD-ECF4E6447096}"/>
               </a:ext>
             </a:extLst>
           </p:cNvPr>
@@ -10583,12 +10190,37 @@
           </a:p>
         </p:txBody>
       </p:sp>
+      <p:sp>
+        <p:nvSpPr>
+          <p:cNvPr id="4" name="Inhaltsplatzhalter 3">
+            <a:extLst>
+              <a:ext uri="{FF2B5EF4-FFF2-40B4-BE49-F238E27FC236}">
+                <a16:creationId xmlns:a16="http://schemas.microsoft.com/office/drawing/2014/main" id="{4C0C306C-294C-4B2A-ABDC-F521A022B4DE}"/>
+              </a:ext>
+            </a:extLst>
+          </p:cNvPr>
+          <p:cNvSpPr>
+            <a:spLocks noGrp="1"/>
+          </p:cNvSpPr>
+          <p:nvPr>
+            <p:ph idx="1"/>
+          </p:nvPr>
+        </p:nvSpPr>
+        <p:spPr/>
+        <p:txBody>
+          <a:bodyPr/>
+          <a:lstStyle/>
+          <a:p>
+            <a:endParaRPr lang="en-US"/>
+          </a:p>
+        </p:txBody>
+      </p:sp>
       <p:pic>
         <p:nvPicPr>
-          <p:cNvPr id="12" name="Grafik 11">
-            <a:extLst>
-              <a:ext uri="{FF2B5EF4-FFF2-40B4-BE49-F238E27FC236}">
-                <a16:creationId xmlns:a16="http://schemas.microsoft.com/office/drawing/2014/main" id="{8CEFEEC1-2DEC-430F-8953-7117EB33AA10}"/>
+          <p:cNvPr id="9" name="Grafik 8">
+            <a:extLst>
+              <a:ext uri="{FF2B5EF4-FFF2-40B4-BE49-F238E27FC236}">
+                <a16:creationId xmlns:a16="http://schemas.microsoft.com/office/drawing/2014/main" id="{4DC8C88B-26A8-475C-A770-252A70FF5E43}"/>
               </a:ext>
             </a:extLst>
           </p:cNvPr>
@@ -10605,52 +10237,18 @@
         </p:blipFill>
         <p:spPr>
           <a:xfrm>
-            <a:off x="1632857" y="2049199"/>
-            <a:ext cx="8224194" cy="4161641"/>
+            <a:off x="908304" y="2232660"/>
+            <a:ext cx="10782300" cy="4076700"/>
           </a:xfrm>
           <a:prstGeom prst="rect">
             <a:avLst/>
           </a:prstGeom>
         </p:spPr>
       </p:pic>
-      <p:sp>
-        <p:nvSpPr>
-          <p:cNvPr id="13" name="Fußzeilenplatzhalter 4">
-            <a:extLst>
-              <a:ext uri="{FF2B5EF4-FFF2-40B4-BE49-F238E27FC236}">
-                <a16:creationId xmlns:a16="http://schemas.microsoft.com/office/drawing/2014/main" id="{96B535EB-2209-4F98-BE1A-0B326017BBEE}"/>
-              </a:ext>
-            </a:extLst>
-          </p:cNvPr>
-          <p:cNvSpPr>
-            <a:spLocks noGrp="1"/>
-          </p:cNvSpPr>
-          <p:nvPr>
-            <p:ph type="ftr" sz="quarter" idx="11"/>
-          </p:nvPr>
-        </p:nvSpPr>
-        <p:spPr>
-          <a:xfrm>
-            <a:off x="4038600" y="6349260"/>
-            <a:ext cx="4114800" cy="365125"/>
-          </a:xfrm>
-        </p:spPr>
-        <p:txBody>
-          <a:bodyPr/>
-          <a:lstStyle/>
-          <a:p>
-            <a:pPr rtl="0"/>
-            <a:r>
-              <a:rPr lang="de-DE" dirty="0"/>
-              <a:t>Elevator Control Center</a:t>
-            </a:r>
-          </a:p>
-        </p:txBody>
-      </p:sp>
     </p:spTree>
     <p:extLst>
       <p:ext uri="{BB962C8B-B14F-4D97-AF65-F5344CB8AC3E}">
-        <p14:creationId xmlns:p14="http://schemas.microsoft.com/office/powerpoint/2010/main" val="1516081396"/>
+        <p14:creationId xmlns:p14="http://schemas.microsoft.com/office/powerpoint/2010/main" val="1135913198"/>
       </p:ext>
     </p:extLst>
   </p:cSld>
@@ -10682,7 +10280,7 @@
           <p:cNvPr id="2" name="Titel 1">
             <a:extLst>
               <a:ext uri="{FF2B5EF4-FFF2-40B4-BE49-F238E27FC236}">
-                <a16:creationId xmlns:a16="http://schemas.microsoft.com/office/drawing/2014/main" id="{D2FA62FF-65C2-4326-A9DD-F28F6C945B0D}"/>
+                <a16:creationId xmlns:a16="http://schemas.microsoft.com/office/drawing/2014/main" id="{7C0FB8E3-1B9D-4AFF-B1E6-D85B8A248955}"/>
               </a:ext>
             </a:extLst>
           </p:cNvPr>
@@ -10700,27 +10298,84 @@
           <a:p>
             <a:r>
               <a:rPr lang="de-AT" dirty="0"/>
-              <a:t>Unit und Integration Tests</a:t>
+              <a:t>Code Coverage</a:t>
             </a:r>
             <a:endParaRPr lang="en-US" dirty="0"/>
+          </a:p>
+        </p:txBody>
+      </p:sp>
+      <p:sp>
+        <p:nvSpPr>
+          <p:cNvPr id="5" name="Fußzeilenplatzhalter 4">
+            <a:extLst>
+              <a:ext uri="{FF2B5EF4-FFF2-40B4-BE49-F238E27FC236}">
+                <a16:creationId xmlns:a16="http://schemas.microsoft.com/office/drawing/2014/main" id="{9CE0106F-E70D-445D-B4B6-480FD163DD1D}"/>
+              </a:ext>
+            </a:extLst>
+          </p:cNvPr>
+          <p:cNvSpPr>
+            <a:spLocks noGrp="1"/>
+          </p:cNvSpPr>
+          <p:nvPr>
+            <p:ph type="ftr" sz="quarter" idx="11"/>
+          </p:nvPr>
+        </p:nvSpPr>
+        <p:spPr/>
+        <p:txBody>
+          <a:bodyPr/>
+          <a:lstStyle/>
+          <a:p>
+            <a:pPr rtl="0"/>
+            <a:r>
+              <a:rPr lang="de-DE" dirty="0"/>
+              <a:t>Elevator Control Center</a:t>
+            </a:r>
+          </a:p>
+        </p:txBody>
+      </p:sp>
+      <p:sp>
+        <p:nvSpPr>
+          <p:cNvPr id="6" name="Foliennummernplatzhalter 5">
+            <a:extLst>
+              <a:ext uri="{FF2B5EF4-FFF2-40B4-BE49-F238E27FC236}">
+                <a16:creationId xmlns:a16="http://schemas.microsoft.com/office/drawing/2014/main" id="{04E72BC2-1E9D-4698-93A7-235FE91365A9}"/>
+              </a:ext>
+            </a:extLst>
+          </p:cNvPr>
+          <p:cNvSpPr>
+            <a:spLocks noGrp="1"/>
+          </p:cNvSpPr>
+          <p:nvPr>
+            <p:ph type="sldNum" sz="quarter" idx="12"/>
+          </p:nvPr>
+        </p:nvSpPr>
+        <p:spPr/>
+        <p:txBody>
+          <a:bodyPr/>
+          <a:lstStyle/>
+          <a:p>
+            <a:pPr rtl="0"/>
+            <a:fld id="{A65A5C87-DF58-40C8-B092-1DE63DB4547E}" type="slidenum">
+              <a:rPr lang="de-DE" noProof="0" smtClean="0"/>
+              <a:t>5</a:t>
+            </a:fld>
+            <a:endParaRPr lang="de-DE" noProof="0"/>
           </a:p>
         </p:txBody>
       </p:sp>
       <p:pic>
         <p:nvPicPr>
-          <p:cNvPr id="8" name="Inhaltsplatzhalter 7">
-            <a:extLst>
-              <a:ext uri="{FF2B5EF4-FFF2-40B4-BE49-F238E27FC236}">
-                <a16:creationId xmlns:a16="http://schemas.microsoft.com/office/drawing/2014/main" id="{91506090-FE02-4A04-9AD6-34EE47DDAE73}"/>
+          <p:cNvPr id="9" name="Grafik 8">
+            <a:extLst>
+              <a:ext uri="{FF2B5EF4-FFF2-40B4-BE49-F238E27FC236}">
+                <a16:creationId xmlns:a16="http://schemas.microsoft.com/office/drawing/2014/main" id="{DCB79807-BF49-4FA2-B101-A4D90CF56D67}"/>
               </a:ext>
             </a:extLst>
           </p:cNvPr>
           <p:cNvPicPr>
-            <a:picLocks noGrp="1" noChangeAspect="1"/>
+            <a:picLocks noChangeAspect="1"/>
           </p:cNvPicPr>
-          <p:nvPr>
-            <p:ph idx="1"/>
-          </p:nvPr>
+          <p:nvPr/>
         </p:nvPicPr>
         <p:blipFill>
           <a:blip r:embed="rId2"/>
@@ -10730,74 +10385,18 @@
         </p:blipFill>
         <p:spPr>
           <a:xfrm>
-            <a:off x="1539855" y="2478088"/>
-            <a:ext cx="9320253" cy="3694112"/>
-          </a:xfrm>
+            <a:off x="765619" y="2289683"/>
+            <a:ext cx="10868025" cy="1752600"/>
+          </a:xfrm>
+          <a:prstGeom prst="rect">
+            <a:avLst/>
+          </a:prstGeom>
         </p:spPr>
       </p:pic>
-      <p:sp>
-        <p:nvSpPr>
-          <p:cNvPr id="5" name="Fußzeilenplatzhalter 4">
-            <a:extLst>
-              <a:ext uri="{FF2B5EF4-FFF2-40B4-BE49-F238E27FC236}">
-                <a16:creationId xmlns:a16="http://schemas.microsoft.com/office/drawing/2014/main" id="{BFB23D42-AB8D-4AB4-8D32-49B84D8D2B8A}"/>
-              </a:ext>
-            </a:extLst>
-          </p:cNvPr>
-          <p:cNvSpPr>
-            <a:spLocks noGrp="1"/>
-          </p:cNvSpPr>
-          <p:nvPr>
-            <p:ph type="ftr" sz="quarter" idx="11"/>
-          </p:nvPr>
-        </p:nvSpPr>
-        <p:spPr/>
-        <p:txBody>
-          <a:bodyPr/>
-          <a:lstStyle/>
-          <a:p>
-            <a:pPr rtl="0"/>
-            <a:r>
-              <a:rPr lang="de-DE" dirty="0"/>
-              <a:t>Elevator Control Center</a:t>
-            </a:r>
-          </a:p>
-        </p:txBody>
-      </p:sp>
-      <p:sp>
-        <p:nvSpPr>
-          <p:cNvPr id="6" name="Foliennummernplatzhalter 5">
-            <a:extLst>
-              <a:ext uri="{FF2B5EF4-FFF2-40B4-BE49-F238E27FC236}">
-                <a16:creationId xmlns:a16="http://schemas.microsoft.com/office/drawing/2014/main" id="{A036F8F4-A8C8-4058-A2BD-ECF4E6447096}"/>
-              </a:ext>
-            </a:extLst>
-          </p:cNvPr>
-          <p:cNvSpPr>
-            <a:spLocks noGrp="1"/>
-          </p:cNvSpPr>
-          <p:nvPr>
-            <p:ph type="sldNum" sz="quarter" idx="12"/>
-          </p:nvPr>
-        </p:nvSpPr>
-        <p:spPr/>
-        <p:txBody>
-          <a:bodyPr/>
-          <a:lstStyle/>
-          <a:p>
-            <a:pPr rtl="0"/>
-            <a:fld id="{A65A5C87-DF58-40C8-B092-1DE63DB4547E}" type="slidenum">
-              <a:rPr lang="de-DE" noProof="0" smtClean="0"/>
-              <a:t>5</a:t>
-            </a:fld>
-            <a:endParaRPr lang="de-DE" noProof="0"/>
-          </a:p>
-        </p:txBody>
-      </p:sp>
     </p:spTree>
     <p:extLst>
       <p:ext uri="{BB962C8B-B14F-4D97-AF65-F5344CB8AC3E}">
-        <p14:creationId xmlns:p14="http://schemas.microsoft.com/office/powerpoint/2010/main" val="1135913198"/>
+        <p14:creationId xmlns:p14="http://schemas.microsoft.com/office/powerpoint/2010/main" val="339630550"/>
       </p:ext>
     </p:extLst>
   </p:cSld>
@@ -10829,7 +10428,7 @@
           <p:cNvPr id="2" name="Titel 1">
             <a:extLst>
               <a:ext uri="{FF2B5EF4-FFF2-40B4-BE49-F238E27FC236}">
-                <a16:creationId xmlns:a16="http://schemas.microsoft.com/office/drawing/2014/main" id="{7C0FB8E3-1B9D-4AFF-B1E6-D85B8A248955}"/>
+                <a16:creationId xmlns:a16="http://schemas.microsoft.com/office/drawing/2014/main" id="{2AE58F31-233C-40F2-9B4F-821FD7B4CCF8}"/>
               </a:ext>
             </a:extLst>
           </p:cNvPr>
@@ -10847,7 +10446,19 @@
           <a:p>
             <a:r>
               <a:rPr lang="de-AT" dirty="0"/>
-              <a:t>Code Coverage</a:t>
+              <a:t>Intensive Verwendung von </a:t>
+            </a:r>
+            <a:r>
+              <a:rPr lang="de-AT" dirty="0" err="1"/>
+              <a:t>Git</a:t>
+            </a:r>
+            <a:r>
+              <a:rPr lang="de-AT" dirty="0"/>
+              <a:t> </a:t>
+            </a:r>
+            <a:r>
+              <a:rPr lang="de-AT" dirty="0" err="1"/>
+              <a:t>Branches</a:t>
             </a:r>
             <a:endParaRPr lang="en-US" dirty="0"/>
           </a:p>
@@ -10858,7 +10469,7 @@
           <p:cNvPr id="8" name="Inhaltsplatzhalter 7">
             <a:extLst>
               <a:ext uri="{FF2B5EF4-FFF2-40B4-BE49-F238E27FC236}">
-                <a16:creationId xmlns:a16="http://schemas.microsoft.com/office/drawing/2014/main" id="{3CAD9334-AB1F-446C-BA78-B2B6B8B96A56}"/>
+                <a16:creationId xmlns:a16="http://schemas.microsoft.com/office/drawing/2014/main" id="{0EF74378-FAD3-4F37-9EAC-8AD1CBDD74F4}"/>
               </a:ext>
             </a:extLst>
           </p:cNvPr>
@@ -10877,8 +10488,8 @@
         </p:blipFill>
         <p:spPr>
           <a:xfrm>
-            <a:off x="1012031" y="2056920"/>
-            <a:ext cx="10167937" cy="1372080"/>
+            <a:off x="1428043" y="2356358"/>
+            <a:ext cx="8839200" cy="3371850"/>
           </a:xfrm>
         </p:spPr>
       </p:pic>
@@ -10887,7 +10498,7 @@
           <p:cNvPr id="5" name="Fußzeilenplatzhalter 4">
             <a:extLst>
               <a:ext uri="{FF2B5EF4-FFF2-40B4-BE49-F238E27FC236}">
-                <a16:creationId xmlns:a16="http://schemas.microsoft.com/office/drawing/2014/main" id="{9CE0106F-E70D-445D-B4B6-480FD163DD1D}"/>
+                <a16:creationId xmlns:a16="http://schemas.microsoft.com/office/drawing/2014/main" id="{43BF7AEE-E7D4-4726-9ED5-6A0FE6376097}"/>
               </a:ext>
             </a:extLst>
           </p:cNvPr>
@@ -10903,7 +10514,6 @@
           <a:bodyPr/>
           <a:lstStyle/>
           <a:p>
-            <a:pPr rtl="0"/>
             <a:r>
               <a:rPr lang="de-DE" dirty="0"/>
               <a:t>Elevator Control Center</a:t>
@@ -10916,7 +10526,7 @@
           <p:cNvPr id="6" name="Foliennummernplatzhalter 5">
             <a:extLst>
               <a:ext uri="{FF2B5EF4-FFF2-40B4-BE49-F238E27FC236}">
-                <a16:creationId xmlns:a16="http://schemas.microsoft.com/office/drawing/2014/main" id="{04E72BC2-1E9D-4698-93A7-235FE91365A9}"/>
+                <a16:creationId xmlns:a16="http://schemas.microsoft.com/office/drawing/2014/main" id="{44505144-6696-4CBD-9B71-12F4DD8F3705}"/>
               </a:ext>
             </a:extLst>
           </p:cNvPr>
@@ -10941,40 +10551,10 @@
           </a:p>
         </p:txBody>
       </p:sp>
-      <p:pic>
-        <p:nvPicPr>
-          <p:cNvPr id="12" name="Grafik 11">
-            <a:extLst>
-              <a:ext uri="{FF2B5EF4-FFF2-40B4-BE49-F238E27FC236}">
-                <a16:creationId xmlns:a16="http://schemas.microsoft.com/office/drawing/2014/main" id="{C7FD07A1-96D2-4B55-AF4C-7923B2773C21}"/>
-              </a:ext>
-            </a:extLst>
-          </p:cNvPr>
-          <p:cNvPicPr>
-            <a:picLocks noChangeAspect="1"/>
-          </p:cNvPicPr>
-          <p:nvPr/>
-        </p:nvPicPr>
-        <p:blipFill>
-          <a:blip r:embed="rId3"/>
-          <a:stretch>
-            <a:fillRect/>
-          </a:stretch>
-        </p:blipFill>
-        <p:spPr>
-          <a:xfrm>
-            <a:off x="987171" y="3606800"/>
-            <a:ext cx="10296525" cy="2571750"/>
-          </a:xfrm>
-          <a:prstGeom prst="rect">
-            <a:avLst/>
-          </a:prstGeom>
-        </p:spPr>
-      </p:pic>
     </p:spTree>
     <p:extLst>
       <p:ext uri="{BB962C8B-B14F-4D97-AF65-F5344CB8AC3E}">
-        <p14:creationId xmlns:p14="http://schemas.microsoft.com/office/powerpoint/2010/main" val="339630550"/>
+        <p14:creationId xmlns:p14="http://schemas.microsoft.com/office/powerpoint/2010/main" val="1892966207"/>
       </p:ext>
     </p:extLst>
   </p:cSld>
@@ -11006,7 +10586,7 @@
           <p:cNvPr id="2" name="Titel 1">
             <a:extLst>
               <a:ext uri="{FF2B5EF4-FFF2-40B4-BE49-F238E27FC236}">
-                <a16:creationId xmlns:a16="http://schemas.microsoft.com/office/drawing/2014/main" id="{7C0FB8E3-1B9D-4AFF-B1E6-D85B8A248955}"/>
+                <a16:creationId xmlns:a16="http://schemas.microsoft.com/office/drawing/2014/main" id="{2AE58F31-233C-40F2-9B4F-821FD7B4CCF8}"/>
               </a:ext>
             </a:extLst>
           </p:cNvPr>
@@ -11024,9 +10604,16 @@
           <a:p>
             <a:r>
               <a:rPr lang="de-AT" dirty="0"/>
-              <a:t>Code Coverage</a:t>
-            </a:r>
-            <a:endParaRPr lang="en-US" dirty="0"/>
+              <a:t>Pull </a:t>
+            </a:r>
+            <a:r>
+              <a:rPr lang="de-AT" dirty="0" err="1"/>
+              <a:t>Requests</a:t>
+            </a:r>
+            <a:r>
+              <a:rPr lang="de-AT" dirty="0"/>
+              <a:t> mit gegenseitigem Review</a:t>
+            </a:r>
           </a:p>
         </p:txBody>
       </p:sp>
@@ -11035,7 +10622,7 @@
           <p:cNvPr id="5" name="Fußzeilenplatzhalter 4">
             <a:extLst>
               <a:ext uri="{FF2B5EF4-FFF2-40B4-BE49-F238E27FC236}">
-                <a16:creationId xmlns:a16="http://schemas.microsoft.com/office/drawing/2014/main" id="{9CE0106F-E70D-445D-B4B6-480FD163DD1D}"/>
+                <a16:creationId xmlns:a16="http://schemas.microsoft.com/office/drawing/2014/main" id="{43BF7AEE-E7D4-4726-9ED5-6A0FE6376097}"/>
               </a:ext>
             </a:extLst>
           </p:cNvPr>
@@ -11051,7 +10638,6 @@
           <a:bodyPr/>
           <a:lstStyle/>
           <a:p>
-            <a:pPr rtl="0"/>
             <a:r>
               <a:rPr lang="de-DE" dirty="0"/>
               <a:t>Elevator Control Center</a:t>
@@ -11064,7 +10650,7 @@
           <p:cNvPr id="6" name="Foliennummernplatzhalter 5">
             <a:extLst>
               <a:ext uri="{FF2B5EF4-FFF2-40B4-BE49-F238E27FC236}">
-                <a16:creationId xmlns:a16="http://schemas.microsoft.com/office/drawing/2014/main" id="{04E72BC2-1E9D-4698-93A7-235FE91365A9}"/>
+                <a16:creationId xmlns:a16="http://schemas.microsoft.com/office/drawing/2014/main" id="{44505144-6696-4CBD-9B71-12F4DD8F3705}"/>
               </a:ext>
             </a:extLst>
           </p:cNvPr>
@@ -11091,17 +10677,19 @@
       </p:sp>
       <p:pic>
         <p:nvPicPr>
-          <p:cNvPr id="9" name="Grafik 8">
-            <a:extLst>
-              <a:ext uri="{FF2B5EF4-FFF2-40B4-BE49-F238E27FC236}">
-                <a16:creationId xmlns:a16="http://schemas.microsoft.com/office/drawing/2014/main" id="{5AF6475E-3AD4-4657-A072-63B0DB9A078E}"/>
+          <p:cNvPr id="9" name="Inhaltsplatzhalter 8">
+            <a:extLst>
+              <a:ext uri="{FF2B5EF4-FFF2-40B4-BE49-F238E27FC236}">
+                <a16:creationId xmlns:a16="http://schemas.microsoft.com/office/drawing/2014/main" id="{73914C97-A884-4861-B727-71DB026EFC78}"/>
               </a:ext>
             </a:extLst>
           </p:cNvPr>
           <p:cNvPicPr>
-            <a:picLocks noChangeAspect="1"/>
+            <a:picLocks noGrp="1" noChangeAspect="1"/>
           </p:cNvPicPr>
-          <p:nvPr/>
+          <p:nvPr>
+            <p:ph idx="1"/>
+          </p:nvPr>
         </p:nvPicPr>
         <p:blipFill>
           <a:blip r:embed="rId2"/>
@@ -11111,12 +10699,9 @@
         </p:blipFill>
         <p:spPr>
           <a:xfrm>
-            <a:off x="932307" y="2211800"/>
-            <a:ext cx="10534650" cy="1704975"/>
-          </a:xfrm>
-          <a:prstGeom prst="rect">
-            <a:avLst/>
-          </a:prstGeom>
+            <a:off x="0" y="2099561"/>
+            <a:ext cx="5876250" cy="1867989"/>
+          </a:xfrm>
         </p:spPr>
       </p:pic>
       <p:pic>
@@ -11124,7 +10709,7 @@
           <p:cNvPr id="11" name="Grafik 10">
             <a:extLst>
               <a:ext uri="{FF2B5EF4-FFF2-40B4-BE49-F238E27FC236}">
-                <a16:creationId xmlns:a16="http://schemas.microsoft.com/office/drawing/2014/main" id="{56B9C872-1BA1-48E4-A086-6E8C3A605296}"/>
+                <a16:creationId xmlns:a16="http://schemas.microsoft.com/office/drawing/2014/main" id="{54BFD516-C307-49A4-908B-755CF0783BE3}"/>
               </a:ext>
             </a:extLst>
           </p:cNvPr>
@@ -11141,18 +10726,58 @@
         </p:blipFill>
         <p:spPr>
           <a:xfrm>
-            <a:off x="908304" y="4190217"/>
-            <a:ext cx="10953750" cy="1619250"/>
+            <a:off x="6096000" y="3512890"/>
+            <a:ext cx="5856611" cy="2733696"/>
           </a:xfrm>
           <a:prstGeom prst="rect">
             <a:avLst/>
           </a:prstGeom>
         </p:spPr>
       </p:pic>
+      <p:sp>
+        <p:nvSpPr>
+          <p:cNvPr id="12" name="Textfeld 11">
+            <a:extLst>
+              <a:ext uri="{FF2B5EF4-FFF2-40B4-BE49-F238E27FC236}">
+                <a16:creationId xmlns:a16="http://schemas.microsoft.com/office/drawing/2014/main" id="{D01357C4-4B1A-4E0A-A967-D41112FFBCB8}"/>
+              </a:ext>
+            </a:extLst>
+          </p:cNvPr>
+          <p:cNvSpPr txBox="1"/>
+          <p:nvPr/>
+        </p:nvSpPr>
+        <p:spPr>
+          <a:xfrm>
+            <a:off x="1145328" y="4700285"/>
+            <a:ext cx="3585594" cy="923330"/>
+          </a:xfrm>
+          <a:prstGeom prst="rect">
+            <a:avLst/>
+          </a:prstGeom>
+          <a:noFill/>
+        </p:spPr>
+        <p:txBody>
+          <a:bodyPr wrap="square" rtlCol="0">
+            <a:spAutoFit/>
+          </a:bodyPr>
+          <a:lstStyle/>
+          <a:p>
+            <a:r>
+              <a:rPr lang="de-AT" dirty="0" err="1"/>
+              <a:t>Issue</a:t>
+            </a:r>
+            <a:r>
+              <a:rPr lang="de-AT" dirty="0"/>
+              <a:t> Management wurde bei persönlichen Meetings durchgeführt</a:t>
+            </a:r>
+            <a:endParaRPr lang="en-US" dirty="0"/>
+          </a:p>
+        </p:txBody>
+      </p:sp>
     </p:spTree>
     <p:extLst>
       <p:ext uri="{BB962C8B-B14F-4D97-AF65-F5344CB8AC3E}">
-        <p14:creationId xmlns:p14="http://schemas.microsoft.com/office/powerpoint/2010/main" val="2177278436"/>
+        <p14:creationId xmlns:p14="http://schemas.microsoft.com/office/powerpoint/2010/main" val="2713122662"/>
       </p:ext>
     </p:extLst>
   </p:cSld>
@@ -11184,7 +10809,7 @@
           <p:cNvPr id="2" name="Titel 1">
             <a:extLst>
               <a:ext uri="{FF2B5EF4-FFF2-40B4-BE49-F238E27FC236}">
-                <a16:creationId xmlns:a16="http://schemas.microsoft.com/office/drawing/2014/main" id="{2AE58F31-233C-40F2-9B4F-821FD7B4CCF8}"/>
+                <a16:creationId xmlns:a16="http://schemas.microsoft.com/office/drawing/2014/main" id="{F008132E-C053-459A-9B5E-C6F660FBB58D}"/>
               </a:ext>
             </a:extLst>
           </p:cNvPr>
@@ -11202,39 +10827,87 @@
           <a:p>
             <a:r>
               <a:rPr lang="de-AT" dirty="0"/>
-              <a:t>Intensive Verwendung von </a:t>
+              <a:t>Statische Codeanalyse mit </a:t>
             </a:r>
             <a:r>
               <a:rPr lang="de-AT" dirty="0" err="1"/>
-              <a:t>Git</a:t>
-            </a:r>
-            <a:r>
-              <a:rPr lang="de-AT" dirty="0"/>
-              <a:t> </a:t>
-            </a:r>
-            <a:r>
-              <a:rPr lang="de-AT" dirty="0" err="1"/>
-              <a:t>Branches</a:t>
+              <a:t>SonarCloud</a:t>
             </a:r>
             <a:endParaRPr lang="en-US" dirty="0"/>
+          </a:p>
+        </p:txBody>
+      </p:sp>
+      <p:sp>
+        <p:nvSpPr>
+          <p:cNvPr id="5" name="Fußzeilenplatzhalter 4">
+            <a:extLst>
+              <a:ext uri="{FF2B5EF4-FFF2-40B4-BE49-F238E27FC236}">
+                <a16:creationId xmlns:a16="http://schemas.microsoft.com/office/drawing/2014/main" id="{C3928259-A60D-4A49-AE0E-F7D01896CBC5}"/>
+              </a:ext>
+            </a:extLst>
+          </p:cNvPr>
+          <p:cNvSpPr>
+            <a:spLocks noGrp="1"/>
+          </p:cNvSpPr>
+          <p:nvPr>
+            <p:ph type="ftr" sz="quarter" idx="11"/>
+          </p:nvPr>
+        </p:nvSpPr>
+        <p:spPr/>
+        <p:txBody>
+          <a:bodyPr/>
+          <a:lstStyle/>
+          <a:p>
+            <a:r>
+              <a:rPr lang="de-DE" dirty="0"/>
+              <a:t>Elevator Control Center</a:t>
+            </a:r>
+          </a:p>
+        </p:txBody>
+      </p:sp>
+      <p:sp>
+        <p:nvSpPr>
+          <p:cNvPr id="6" name="Foliennummernplatzhalter 5">
+            <a:extLst>
+              <a:ext uri="{FF2B5EF4-FFF2-40B4-BE49-F238E27FC236}">
+                <a16:creationId xmlns:a16="http://schemas.microsoft.com/office/drawing/2014/main" id="{1B8AF8AE-6C22-49F1-8697-B09D71F89F97}"/>
+              </a:ext>
+            </a:extLst>
+          </p:cNvPr>
+          <p:cNvSpPr>
+            <a:spLocks noGrp="1"/>
+          </p:cNvSpPr>
+          <p:nvPr>
+            <p:ph type="sldNum" sz="quarter" idx="12"/>
+          </p:nvPr>
+        </p:nvSpPr>
+        <p:spPr/>
+        <p:txBody>
+          <a:bodyPr/>
+          <a:lstStyle/>
+          <a:p>
+            <a:pPr rtl="0"/>
+            <a:fld id="{A65A5C87-DF58-40C8-B092-1DE63DB4547E}" type="slidenum">
+              <a:rPr lang="de-DE" noProof="0" smtClean="0"/>
+              <a:t>8</a:t>
+            </a:fld>
+            <a:endParaRPr lang="de-DE" noProof="0"/>
           </a:p>
         </p:txBody>
       </p:sp>
       <p:pic>
         <p:nvPicPr>
-          <p:cNvPr id="8" name="Inhaltsplatzhalter 7">
-            <a:extLst>
-              <a:ext uri="{FF2B5EF4-FFF2-40B4-BE49-F238E27FC236}">
-                <a16:creationId xmlns:a16="http://schemas.microsoft.com/office/drawing/2014/main" id="{0EF74378-FAD3-4F37-9EAC-8AD1CBDD74F4}"/>
+          <p:cNvPr id="8" name="Grafik 7">
+            <a:extLst>
+              <a:ext uri="{FF2B5EF4-FFF2-40B4-BE49-F238E27FC236}">
+                <a16:creationId xmlns:a16="http://schemas.microsoft.com/office/drawing/2014/main" id="{E130E4BE-60BA-4951-8F72-C479013C04F0}"/>
               </a:ext>
             </a:extLst>
           </p:cNvPr>
           <p:cNvPicPr>
-            <a:picLocks noGrp="1" noChangeAspect="1"/>
+            <a:picLocks noChangeAspect="1"/>
           </p:cNvPicPr>
-          <p:nvPr>
-            <p:ph idx="1"/>
-          </p:nvPr>
+          <p:nvPr/>
         </p:nvPicPr>
         <p:blipFill>
           <a:blip r:embed="rId2"/>
@@ -11244,73 +10917,18 @@
         </p:blipFill>
         <p:spPr>
           <a:xfrm>
-            <a:off x="1428043" y="2356358"/>
-            <a:ext cx="8839200" cy="3371850"/>
-          </a:xfrm>
+            <a:off x="3304968" y="2023336"/>
+            <a:ext cx="5582063" cy="4286024"/>
+          </a:xfrm>
+          <a:prstGeom prst="rect">
+            <a:avLst/>
+          </a:prstGeom>
         </p:spPr>
       </p:pic>
-      <p:sp>
-        <p:nvSpPr>
-          <p:cNvPr id="5" name="Fußzeilenplatzhalter 4">
-            <a:extLst>
-              <a:ext uri="{FF2B5EF4-FFF2-40B4-BE49-F238E27FC236}">
-                <a16:creationId xmlns:a16="http://schemas.microsoft.com/office/drawing/2014/main" id="{43BF7AEE-E7D4-4726-9ED5-6A0FE6376097}"/>
-              </a:ext>
-            </a:extLst>
-          </p:cNvPr>
-          <p:cNvSpPr>
-            <a:spLocks noGrp="1"/>
-          </p:cNvSpPr>
-          <p:nvPr>
-            <p:ph type="ftr" sz="quarter" idx="11"/>
-          </p:nvPr>
-        </p:nvSpPr>
-        <p:spPr/>
-        <p:txBody>
-          <a:bodyPr/>
-          <a:lstStyle/>
-          <a:p>
-            <a:r>
-              <a:rPr lang="de-DE" dirty="0"/>
-              <a:t>Elevator Control Center</a:t>
-            </a:r>
-          </a:p>
-        </p:txBody>
-      </p:sp>
-      <p:sp>
-        <p:nvSpPr>
-          <p:cNvPr id="6" name="Foliennummernplatzhalter 5">
-            <a:extLst>
-              <a:ext uri="{FF2B5EF4-FFF2-40B4-BE49-F238E27FC236}">
-                <a16:creationId xmlns:a16="http://schemas.microsoft.com/office/drawing/2014/main" id="{44505144-6696-4CBD-9B71-12F4DD8F3705}"/>
-              </a:ext>
-            </a:extLst>
-          </p:cNvPr>
-          <p:cNvSpPr>
-            <a:spLocks noGrp="1"/>
-          </p:cNvSpPr>
-          <p:nvPr>
-            <p:ph type="sldNum" sz="quarter" idx="12"/>
-          </p:nvPr>
-        </p:nvSpPr>
-        <p:spPr/>
-        <p:txBody>
-          <a:bodyPr/>
-          <a:lstStyle/>
-          <a:p>
-            <a:pPr rtl="0"/>
-            <a:fld id="{A65A5C87-DF58-40C8-B092-1DE63DB4547E}" type="slidenum">
-              <a:rPr lang="de-DE" noProof="0" smtClean="0"/>
-              <a:t>8</a:t>
-            </a:fld>
-            <a:endParaRPr lang="de-DE" noProof="0"/>
-          </a:p>
-        </p:txBody>
-      </p:sp>
     </p:spTree>
     <p:extLst>
       <p:ext uri="{BB962C8B-B14F-4D97-AF65-F5344CB8AC3E}">
-        <p14:creationId xmlns:p14="http://schemas.microsoft.com/office/powerpoint/2010/main" val="1892966207"/>
+        <p14:creationId xmlns:p14="http://schemas.microsoft.com/office/powerpoint/2010/main" val="3523648098"/>
       </p:ext>
     </p:extLst>
   </p:cSld>
@@ -11342,7 +10960,7 @@
           <p:cNvPr id="2" name="Titel 1">
             <a:extLst>
               <a:ext uri="{FF2B5EF4-FFF2-40B4-BE49-F238E27FC236}">
-                <a16:creationId xmlns:a16="http://schemas.microsoft.com/office/drawing/2014/main" id="{2AE58F31-233C-40F2-9B4F-821FD7B4CCF8}"/>
+                <a16:creationId xmlns:a16="http://schemas.microsoft.com/office/drawing/2014/main" id="{22BFFBC9-A8C4-40C7-B88E-EDFA18CE4F8A}"/>
               </a:ext>
             </a:extLst>
           </p:cNvPr>
@@ -11360,16 +10978,80 @@
           <a:p>
             <a:r>
               <a:rPr lang="de-AT" dirty="0"/>
-              <a:t>Pull </a:t>
+              <a:t>Metriken</a:t>
+            </a:r>
+            <a:endParaRPr lang="en-US" dirty="0"/>
+          </a:p>
+        </p:txBody>
+      </p:sp>
+      <p:sp>
+        <p:nvSpPr>
+          <p:cNvPr id="3" name="Inhaltsplatzhalter 2">
+            <a:extLst>
+              <a:ext uri="{FF2B5EF4-FFF2-40B4-BE49-F238E27FC236}">
+                <a16:creationId xmlns:a16="http://schemas.microsoft.com/office/drawing/2014/main" id="{6E5281FC-6D2B-4B23-8782-834AB79B4E01}"/>
+              </a:ext>
+            </a:extLst>
+          </p:cNvPr>
+          <p:cNvSpPr>
+            <a:spLocks noGrp="1"/>
+          </p:cNvSpPr>
+          <p:nvPr>
+            <p:ph idx="1"/>
+          </p:nvPr>
+        </p:nvSpPr>
+        <p:spPr/>
+        <p:txBody>
+          <a:bodyPr/>
+          <a:lstStyle/>
+          <a:p>
+            <a:r>
+              <a:rPr lang="de-AT" dirty="0"/>
+              <a:t>1.5k Lines </a:t>
+            </a:r>
+            <a:r>
+              <a:rPr lang="de-AT" dirty="0" err="1"/>
+              <a:t>of</a:t>
+            </a:r>
+            <a:r>
+              <a:rPr lang="de-AT" dirty="0"/>
+              <a:t> code</a:t>
+            </a:r>
+          </a:p>
+          <a:p>
+            <a:r>
+              <a:rPr lang="de-AT" dirty="0"/>
+              <a:t>248 </a:t>
+            </a:r>
+            <a:r>
+              <a:rPr lang="de-AT" dirty="0" err="1"/>
+              <a:t>Commits</a:t>
+            </a:r>
+            <a:endParaRPr lang="de-AT" dirty="0"/>
+          </a:p>
+          <a:p>
+            <a:r>
+              <a:rPr lang="de-AT" dirty="0"/>
+              <a:t>80 Pull </a:t>
             </a:r>
             <a:r>
               <a:rPr lang="de-AT" dirty="0" err="1"/>
               <a:t>Requests</a:t>
             </a:r>
+            <a:endParaRPr lang="de-AT" dirty="0"/>
+          </a:p>
+          <a:p>
             <a:r>
               <a:rPr lang="de-AT" dirty="0"/>
-              <a:t> mit gegenseitigem Review</a:t>
-            </a:r>
+              <a:t>86% Code Coverage</a:t>
+            </a:r>
+          </a:p>
+          <a:p>
+            <a:r>
+              <a:rPr lang="de-AT" dirty="0"/>
+              <a:t>174 Unit Tests</a:t>
+            </a:r>
+            <a:endParaRPr lang="en-US" dirty="0"/>
           </a:p>
         </p:txBody>
       </p:sp>
@@ -11378,7 +11060,7 @@
           <p:cNvPr id="5" name="Fußzeilenplatzhalter 4">
             <a:extLst>
               <a:ext uri="{FF2B5EF4-FFF2-40B4-BE49-F238E27FC236}">
-                <a16:creationId xmlns:a16="http://schemas.microsoft.com/office/drawing/2014/main" id="{43BF7AEE-E7D4-4726-9ED5-6A0FE6376097}"/>
+                <a16:creationId xmlns:a16="http://schemas.microsoft.com/office/drawing/2014/main" id="{059DC9B0-9DD3-4A27-A619-35735231619C}"/>
               </a:ext>
             </a:extLst>
           </p:cNvPr>
@@ -11406,7 +11088,7 @@
           <p:cNvPr id="6" name="Foliennummernplatzhalter 5">
             <a:extLst>
               <a:ext uri="{FF2B5EF4-FFF2-40B4-BE49-F238E27FC236}">
-                <a16:creationId xmlns:a16="http://schemas.microsoft.com/office/drawing/2014/main" id="{44505144-6696-4CBD-9B71-12F4DD8F3705}"/>
+                <a16:creationId xmlns:a16="http://schemas.microsoft.com/office/drawing/2014/main" id="{F404EBBE-93B2-4C35-96EC-A795161BB877}"/>
               </a:ext>
             </a:extLst>
           </p:cNvPr>
@@ -11431,109 +11113,10 @@
           </a:p>
         </p:txBody>
       </p:sp>
-      <p:pic>
-        <p:nvPicPr>
-          <p:cNvPr id="9" name="Inhaltsplatzhalter 8">
-            <a:extLst>
-              <a:ext uri="{FF2B5EF4-FFF2-40B4-BE49-F238E27FC236}">
-                <a16:creationId xmlns:a16="http://schemas.microsoft.com/office/drawing/2014/main" id="{73914C97-A884-4861-B727-71DB026EFC78}"/>
-              </a:ext>
-            </a:extLst>
-          </p:cNvPr>
-          <p:cNvPicPr>
-            <a:picLocks noGrp="1" noChangeAspect="1"/>
-          </p:cNvPicPr>
-          <p:nvPr>
-            <p:ph idx="1"/>
-          </p:nvPr>
-        </p:nvPicPr>
-        <p:blipFill>
-          <a:blip r:embed="rId2"/>
-          <a:stretch>
-            <a:fillRect/>
-          </a:stretch>
-        </p:blipFill>
-        <p:spPr>
-          <a:xfrm>
-            <a:off x="0" y="2099561"/>
-            <a:ext cx="5876250" cy="1867989"/>
-          </a:xfrm>
-        </p:spPr>
-      </p:pic>
-      <p:pic>
-        <p:nvPicPr>
-          <p:cNvPr id="11" name="Grafik 10">
-            <a:extLst>
-              <a:ext uri="{FF2B5EF4-FFF2-40B4-BE49-F238E27FC236}">
-                <a16:creationId xmlns:a16="http://schemas.microsoft.com/office/drawing/2014/main" id="{54BFD516-C307-49A4-908B-755CF0783BE3}"/>
-              </a:ext>
-            </a:extLst>
-          </p:cNvPr>
-          <p:cNvPicPr>
-            <a:picLocks noChangeAspect="1"/>
-          </p:cNvPicPr>
-          <p:nvPr/>
-        </p:nvPicPr>
-        <p:blipFill>
-          <a:blip r:embed="rId3"/>
-          <a:stretch>
-            <a:fillRect/>
-          </a:stretch>
-        </p:blipFill>
-        <p:spPr>
-          <a:xfrm>
-            <a:off x="6096000" y="3512890"/>
-            <a:ext cx="5856611" cy="2733696"/>
-          </a:xfrm>
-          <a:prstGeom prst="rect">
-            <a:avLst/>
-          </a:prstGeom>
-        </p:spPr>
-      </p:pic>
-      <p:sp>
-        <p:nvSpPr>
-          <p:cNvPr id="12" name="Textfeld 11">
-            <a:extLst>
-              <a:ext uri="{FF2B5EF4-FFF2-40B4-BE49-F238E27FC236}">
-                <a16:creationId xmlns:a16="http://schemas.microsoft.com/office/drawing/2014/main" id="{D01357C4-4B1A-4E0A-A967-D41112FFBCB8}"/>
-              </a:ext>
-            </a:extLst>
-          </p:cNvPr>
-          <p:cNvSpPr txBox="1"/>
-          <p:nvPr/>
-        </p:nvSpPr>
-        <p:spPr>
-          <a:xfrm>
-            <a:off x="1145328" y="4700285"/>
-            <a:ext cx="3585594" cy="923330"/>
-          </a:xfrm>
-          <a:prstGeom prst="rect">
-            <a:avLst/>
-          </a:prstGeom>
-          <a:noFill/>
-        </p:spPr>
-        <p:txBody>
-          <a:bodyPr wrap="square" rtlCol="0">
-            <a:spAutoFit/>
-          </a:bodyPr>
-          <a:lstStyle/>
-          <a:p>
-            <a:r>
-              <a:rPr lang="de-AT" dirty="0" err="1"/>
-              <a:t>Issue</a:t>
-            </a:r>
-            <a:r>
-              <a:rPr lang="de-AT" dirty="0"/>
-              <a:t> Management wurde bei persönlichen Meetings durchgeführt</a:t>
-            </a:r>
-            <a:endParaRPr lang="en-US" dirty="0"/>
-          </a:p>
-        </p:txBody>
-      </p:sp>
     </p:spTree>
     <p:extLst>
       <p:ext uri="{BB962C8B-B14F-4D97-AF65-F5344CB8AC3E}">
-        <p14:creationId xmlns:p14="http://schemas.microsoft.com/office/powerpoint/2010/main" val="2713122662"/>
+        <p14:creationId xmlns:p14="http://schemas.microsoft.com/office/powerpoint/2010/main" val="2694401005"/>
       </p:ext>
     </p:extLst>
   </p:cSld>

--- a/doc/Presentation/Elevator_Control_Center.pptx
+++ b/doc/Presentation/Elevator_Control_Center.pptx
@@ -5,10 +5,10 @@
     <p:sldMasterId id="2147483720" r:id="rId4"/>
   </p:sldMasterIdLst>
   <p:notesMasterIdLst>
-    <p:notesMasterId r:id="rId17"/>
+    <p:notesMasterId r:id="rId18"/>
   </p:notesMasterIdLst>
   <p:handoutMasterIdLst>
-    <p:handoutMasterId r:id="rId18"/>
+    <p:handoutMasterId r:id="rId19"/>
   </p:handoutMasterIdLst>
   <p:sldIdLst>
     <p:sldId id="281" r:id="rId5"/>
@@ -23,6 +23,7 @@
     <p:sldId id="292" r:id="rId14"/>
     <p:sldId id="294" r:id="rId15"/>
     <p:sldId id="295" r:id="rId16"/>
+    <p:sldId id="296" r:id="rId17"/>
   </p:sldIdLst>
   <p:sldSz cx="12192000" cy="6858000"/>
   <p:notesSz cx="6858000" cy="9144000"/>
@@ -935,8 +936,8 @@
         </p:nvSpPr>
         <p:spPr>
           <a:xfrm>
-            <a:off x="1528762" y="1473243"/>
-            <a:ext cx="9144000" cy="3007447"/>
+            <a:off x="1528762" y="1259841"/>
+            <a:ext cx="9144000" cy="3459610"/>
           </a:xfrm>
           <a:prstGeom prst="rect">
             <a:avLst/>
@@ -1030,7 +1031,7 @@
         </p:nvSpPr>
         <p:spPr>
           <a:xfrm>
-            <a:off x="1801368" y="1664208"/>
+            <a:off x="1801368" y="1902968"/>
             <a:ext cx="8586216" cy="2176272"/>
           </a:xfrm>
         </p:spPr>
@@ -1046,7 +1047,7 @@
           <a:p>
             <a:pPr rtl="0"/>
             <a:r>
-              <a:rPr lang="de-DE" noProof="0"/>
+              <a:rPr lang="de-DE" noProof="0" dirty="0"/>
               <a:t>Titelmasterformat durch Klicken bearbeiten</a:t>
             </a:r>
           </a:p>
@@ -1070,7 +1071,7 @@
         </p:nvSpPr>
         <p:spPr>
           <a:xfrm>
-            <a:off x="2487168" y="4142232"/>
+            <a:off x="2487168" y="4380992"/>
             <a:ext cx="7223760" cy="685800"/>
           </a:xfrm>
           <a:solidFill>
@@ -5491,35 +5492,35 @@
           <a:p>
             <a:pPr lvl="0" rtl="0"/>
             <a:r>
-              <a:rPr lang="de-DE" noProof="0"/>
+              <a:rPr lang="de-DE" noProof="0" dirty="0"/>
               <a:t>Textmasterformate durch Klicken bearbeiten</a:t>
             </a:r>
           </a:p>
           <a:p>
             <a:pPr lvl="1" rtl="0"/>
             <a:r>
-              <a:rPr lang="de-DE" noProof="0"/>
+              <a:rPr lang="de-DE" noProof="0" dirty="0"/>
               <a:t>Zweite Ebene</a:t>
             </a:r>
           </a:p>
           <a:p>
             <a:pPr lvl="2" rtl="0"/>
             <a:r>
-              <a:rPr lang="de-DE" noProof="0"/>
+              <a:rPr lang="de-DE" noProof="0" dirty="0"/>
               <a:t>Dritte Ebene</a:t>
             </a:r>
           </a:p>
           <a:p>
             <a:pPr lvl="3" rtl="0"/>
             <a:r>
-              <a:rPr lang="de-DE" noProof="0"/>
+              <a:rPr lang="de-DE" noProof="0" dirty="0"/>
               <a:t>Vierte Ebene</a:t>
             </a:r>
           </a:p>
           <a:p>
             <a:pPr lvl="4" rtl="0"/>
             <a:r>
-              <a:rPr lang="de-DE" noProof="0"/>
+              <a:rPr lang="de-DE" noProof="0" dirty="0"/>
               <a:t>Fünfte Ebene</a:t>
             </a:r>
           </a:p>
@@ -5580,10 +5581,9 @@
           <a:bodyPr rtlCol="0"/>
           <a:lstStyle/>
           <a:p>
-            <a:pPr rtl="0"/>
-            <a:r>
-              <a:rPr lang="de-DE" noProof="0"/>
-              <a:t>Präsentationstitel</a:t>
+            <a:r>
+              <a:rPr lang="de-DE" dirty="0"/>
+              <a:t>Elevator Control Center</a:t>
             </a:r>
           </a:p>
         </p:txBody>
@@ -9103,13 +9103,26 @@
         </p:nvSpPr>
         <p:spPr/>
         <p:txBody>
-          <a:bodyPr rtlCol="0"/>
+          <a:bodyPr rtlCol="0">
+            <a:normAutofit fontScale="90000"/>
+          </a:bodyPr>
           <a:lstStyle/>
           <a:p>
-            <a:pPr rtl="0"/>
+            <a:pPr rtl="0">
+              <a:lnSpc>
+                <a:spcPct val="100000"/>
+              </a:lnSpc>
+            </a:pPr>
             <a:r>
               <a:rPr lang="de-DE" dirty="0"/>
               <a:t>Elevator Control Center</a:t>
+            </a:r>
+            <a:br>
+              <a:rPr lang="de-DE" dirty="0"/>
+            </a:br>
+            <a:r>
+              <a:rPr lang="de-DE" dirty="0"/>
+              <a:t> Team C</a:t>
             </a:r>
           </a:p>
         </p:txBody>
@@ -9137,10 +9150,13 @@
           </a:bodyPr>
           <a:lstStyle/>
           <a:p>
-            <a:pPr rtl="0"/>
+            <a:r>
+              <a:rPr lang="de-DE" dirty="0" err="1"/>
+              <a:t>Atzenhofer</a:t>
+            </a:r>
             <a:r>
               <a:rPr lang="de-DE" dirty="0"/>
-              <a:t>Wohlrab Stefan, Ebenstein Lukas, Atzenhofer Florian</a:t>
+              <a:t> Florian, Ebenstein Lukas, Wohlrab Stefan</a:t>
             </a:r>
           </a:p>
         </p:txBody>
@@ -9237,18 +9253,18 @@
       </p:sp>
       <p:sp>
         <p:nvSpPr>
-          <p:cNvPr id="4" name="Datumsplatzhalter 3">
-            <a:extLst>
-              <a:ext uri="{FF2B5EF4-FFF2-40B4-BE49-F238E27FC236}">
-                <a16:creationId xmlns:a16="http://schemas.microsoft.com/office/drawing/2014/main" id="{F1014452-E1F1-4B31-AF22-CAEF52C9EA72}"/>
-              </a:ext>
-            </a:extLst>
-          </p:cNvPr>
-          <p:cNvSpPr>
-            <a:spLocks noGrp="1"/>
-          </p:cNvSpPr>
-          <p:nvPr>
-            <p:ph type="dt" sz="half" idx="10"/>
+          <p:cNvPr id="5" name="Fußzeilenplatzhalter 4">
+            <a:extLst>
+              <a:ext uri="{FF2B5EF4-FFF2-40B4-BE49-F238E27FC236}">
+                <a16:creationId xmlns:a16="http://schemas.microsoft.com/office/drawing/2014/main" id="{226EFDD0-84E7-416A-B609-E0821B254CA1}"/>
+              </a:ext>
+            </a:extLst>
+          </p:cNvPr>
+          <p:cNvSpPr>
+            <a:spLocks noGrp="1"/>
+          </p:cNvSpPr>
+          <p:nvPr>
+            <p:ph type="ftr" sz="quarter" idx="11"/>
           </p:nvPr>
         </p:nvSpPr>
         <p:spPr/>
@@ -9256,38 +9272,9 @@
           <a:bodyPr/>
           <a:lstStyle/>
           <a:p>
-            <a:pPr rtl="0"/>
-            <a:r>
-              <a:rPr lang="de-DE" noProof="0"/>
-              <a:t>04.09.20XX</a:t>
-            </a:r>
-          </a:p>
-        </p:txBody>
-      </p:sp>
-      <p:sp>
-        <p:nvSpPr>
-          <p:cNvPr id="5" name="Fußzeilenplatzhalter 4">
-            <a:extLst>
-              <a:ext uri="{FF2B5EF4-FFF2-40B4-BE49-F238E27FC236}">
-                <a16:creationId xmlns:a16="http://schemas.microsoft.com/office/drawing/2014/main" id="{226EFDD0-84E7-416A-B609-E0821B254CA1}"/>
-              </a:ext>
-            </a:extLst>
-          </p:cNvPr>
-          <p:cNvSpPr>
-            <a:spLocks noGrp="1"/>
-          </p:cNvSpPr>
-          <p:nvPr>
-            <p:ph type="ftr" sz="quarter" idx="11"/>
-          </p:nvPr>
-        </p:nvSpPr>
-        <p:spPr/>
-        <p:txBody>
-          <a:bodyPr/>
-          <a:lstStyle/>
-          <a:p>
             <a:r>
               <a:rPr lang="de-DE" dirty="0"/>
-              <a:t>Elevator Control Center</a:t>
+              <a:t>Elevator Control Center – Team C</a:t>
             </a:r>
           </a:p>
         </p:txBody>
@@ -9448,15 +9435,7 @@
           <a:p>
             <a:r>
               <a:rPr lang="de-AT" dirty="0"/>
-              <a:t>Liste </a:t>
-            </a:r>
-            <a:r>
-              <a:rPr lang="de-AT"/>
-              <a:t>als Status </a:t>
-            </a:r>
-            <a:r>
-              <a:rPr lang="de-AT" dirty="0"/>
-              <a:t>besser</a:t>
+              <a:t>Liste als Status besser</a:t>
             </a:r>
           </a:p>
           <a:p>
@@ -9487,7 +9466,7 @@
           <a:p>
             <a:r>
               <a:rPr lang="de-DE" dirty="0"/>
-              <a:t>Elevator Control Center</a:t>
+              <a:t>Elevator Control Center – Team C</a:t>
             </a:r>
           </a:p>
         </p:txBody>
@@ -9570,39 +9549,88 @@
         </p:nvSpPr>
         <p:spPr/>
         <p:txBody>
+          <a:bodyPr>
+            <a:normAutofit/>
+          </a:bodyPr>
+          <a:lstStyle/>
+          <a:p>
+            <a:r>
+              <a:rPr lang="en-US" dirty="0" err="1"/>
+              <a:t>Gelöste</a:t>
+            </a:r>
+            <a:r>
+              <a:rPr lang="en-US" dirty="0"/>
+              <a:t> </a:t>
+            </a:r>
+            <a:r>
+              <a:rPr lang="en-US" dirty="0" err="1"/>
+              <a:t>Probleme</a:t>
+            </a:r>
+            <a:r>
+              <a:rPr lang="en-US" dirty="0"/>
+              <a:t> - Timing</a:t>
+            </a:r>
+          </a:p>
+        </p:txBody>
+      </p:sp>
+      <p:sp>
+        <p:nvSpPr>
+          <p:cNvPr id="3" name="Inhaltsplatzhalter 2">
+            <a:extLst>
+              <a:ext uri="{FF2B5EF4-FFF2-40B4-BE49-F238E27FC236}">
+                <a16:creationId xmlns:a16="http://schemas.microsoft.com/office/drawing/2014/main" id="{6697D7DD-14F0-4988-BF38-CB4999DB8801}"/>
+              </a:ext>
+            </a:extLst>
+          </p:cNvPr>
+          <p:cNvSpPr>
+            <a:spLocks noGrp="1"/>
+          </p:cNvSpPr>
+          <p:nvPr>
+            <p:ph idx="1"/>
+          </p:nvPr>
+        </p:nvSpPr>
+        <p:spPr>
+          <a:xfrm>
+            <a:off x="1115568" y="2320544"/>
+            <a:ext cx="10168128" cy="3694176"/>
+          </a:xfrm>
+        </p:spPr>
+        <p:txBody>
           <a:bodyPr/>
           <a:lstStyle/>
           <a:p>
-            <a:r>
-              <a:rPr lang="en-US" dirty="0" err="1"/>
-              <a:t>Gelöste</a:t>
-            </a:r>
-            <a:r>
-              <a:rPr lang="en-US" dirty="0"/>
-              <a:t> </a:t>
-            </a:r>
-            <a:r>
-              <a:rPr lang="en-US" dirty="0" err="1"/>
-              <a:t>Probleme</a:t>
-            </a:r>
-            <a:endParaRPr lang="en-US" dirty="0"/>
-          </a:p>
-        </p:txBody>
-      </p:sp>
-      <p:sp>
-        <p:nvSpPr>
-          <p:cNvPr id="3" name="Inhaltsplatzhalter 2">
-            <a:extLst>
-              <a:ext uri="{FF2B5EF4-FFF2-40B4-BE49-F238E27FC236}">
-                <a16:creationId xmlns:a16="http://schemas.microsoft.com/office/drawing/2014/main" id="{6697D7DD-14F0-4988-BF38-CB4999DB8801}"/>
-              </a:ext>
-            </a:extLst>
-          </p:cNvPr>
-          <p:cNvSpPr>
-            <a:spLocks noGrp="1"/>
-          </p:cNvSpPr>
-          <p:nvPr>
-            <p:ph idx="1"/>
+            <a:pPr marL="0" indent="0">
+              <a:buNone/>
+            </a:pPr>
+            <a:r>
+              <a:rPr lang="en-US" dirty="0" err="1">
+                <a:latin typeface="Consolas" panose="020B0609020204030204" pitchFamily="49" charset="0"/>
+              </a:rPr>
+              <a:t>Thread.sleep</a:t>
+            </a:r>
+            <a:r>
+              <a:rPr lang="en-US" dirty="0">
+                <a:latin typeface="Consolas" panose="020B0609020204030204" pitchFamily="49" charset="0"/>
+              </a:rPr>
+              <a:t>(300);</a:t>
+            </a:r>
+          </a:p>
+        </p:txBody>
+      </p:sp>
+      <p:sp>
+        <p:nvSpPr>
+          <p:cNvPr id="5" name="Fußzeilenplatzhalter 4">
+            <a:extLst>
+              <a:ext uri="{FF2B5EF4-FFF2-40B4-BE49-F238E27FC236}">
+                <a16:creationId xmlns:a16="http://schemas.microsoft.com/office/drawing/2014/main" id="{AA7880CD-BAF7-47B7-A765-87356D91F991}"/>
+              </a:ext>
+            </a:extLst>
+          </p:cNvPr>
+          <p:cNvSpPr>
+            <a:spLocks noGrp="1"/>
+          </p:cNvSpPr>
+          <p:nvPr>
+            <p:ph type="ftr" sz="quarter" idx="11"/>
           </p:nvPr>
         </p:nvSpPr>
         <p:spPr/>
@@ -9611,60 +9639,8 @@
           <a:lstStyle/>
           <a:p>
             <a:r>
-              <a:rPr lang="en-US" dirty="0" err="1"/>
-              <a:t>Thread.sleep</a:t>
-            </a:r>
-            <a:endParaRPr lang="en-US" dirty="0"/>
-          </a:p>
-          <a:p>
-            <a:r>
-              <a:rPr lang="en-US" dirty="0" err="1"/>
-              <a:t>Archiktur</a:t>
-            </a:r>
-            <a:r>
-              <a:rPr lang="en-US" dirty="0"/>
-              <a:t> -&gt; Interfaces Leichter </a:t>
-            </a:r>
-            <a:r>
-              <a:rPr lang="en-US" dirty="0" err="1"/>
-              <a:t>zu</a:t>
-            </a:r>
-            <a:r>
-              <a:rPr lang="en-US" dirty="0"/>
-              <a:t> </a:t>
-            </a:r>
-            <a:r>
-              <a:rPr lang="en-US" dirty="0" err="1"/>
-              <a:t>mocken</a:t>
-            </a:r>
-            <a:endParaRPr lang="en-US" dirty="0"/>
-          </a:p>
-        </p:txBody>
-      </p:sp>
-      <p:sp>
-        <p:nvSpPr>
-          <p:cNvPr id="5" name="Fußzeilenplatzhalter 4">
-            <a:extLst>
-              <a:ext uri="{FF2B5EF4-FFF2-40B4-BE49-F238E27FC236}">
-                <a16:creationId xmlns:a16="http://schemas.microsoft.com/office/drawing/2014/main" id="{AA7880CD-BAF7-47B7-A765-87356D91F991}"/>
-              </a:ext>
-            </a:extLst>
-          </p:cNvPr>
-          <p:cNvSpPr>
-            <a:spLocks noGrp="1"/>
-          </p:cNvSpPr>
-          <p:nvPr>
-            <p:ph type="ftr" sz="quarter" idx="11"/>
-          </p:nvPr>
-        </p:nvSpPr>
-        <p:spPr/>
-        <p:txBody>
-          <a:bodyPr/>
-          <a:lstStyle/>
-          <a:p>
-            <a:r>
               <a:rPr lang="de-DE" dirty="0"/>
-              <a:t>Elevator Control Center</a:t>
+              <a:t>Elevator Control Center – Team C</a:t>
             </a:r>
           </a:p>
         </p:txBody>
@@ -9699,10 +9675,225 @@
           </a:p>
         </p:txBody>
       </p:sp>
+      <p:pic>
+        <p:nvPicPr>
+          <p:cNvPr id="7" name="Grafik 6">
+            <a:extLst>
+              <a:ext uri="{FF2B5EF4-FFF2-40B4-BE49-F238E27FC236}">
+                <a16:creationId xmlns:a16="http://schemas.microsoft.com/office/drawing/2014/main" id="{6CA5B4E7-1AA1-440C-BC62-7B07E5D49E95}"/>
+              </a:ext>
+            </a:extLst>
+          </p:cNvPr>
+          <p:cNvPicPr>
+            <a:picLocks noChangeAspect="1"/>
+          </p:cNvPicPr>
+          <p:nvPr/>
+        </p:nvPicPr>
+        <p:blipFill>
+          <a:blip r:embed="rId2"/>
+          <a:stretch>
+            <a:fillRect/>
+          </a:stretch>
+        </p:blipFill>
+        <p:spPr>
+          <a:xfrm>
+            <a:off x="1249172" y="3252807"/>
+            <a:ext cx="9900920" cy="3036868"/>
+          </a:xfrm>
+          <a:prstGeom prst="rect">
+            <a:avLst/>
+          </a:prstGeom>
+        </p:spPr>
+      </p:pic>
     </p:spTree>
     <p:extLst>
       <p:ext uri="{BB962C8B-B14F-4D97-AF65-F5344CB8AC3E}">
         <p14:creationId xmlns:p14="http://schemas.microsoft.com/office/powerpoint/2010/main" val="130938987"/>
+      </p:ext>
+    </p:extLst>
+  </p:cSld>
+  <p:clrMapOvr>
+    <a:masterClrMapping/>
+  </p:clrMapOvr>
+</p:sld>
+</file>
+
+<file path=ppt/slides/slide13.xml><?xml version="1.0" encoding="utf-8"?>
+<p:sld xmlns:a="http://schemas.openxmlformats.org/drawingml/2006/main" xmlns:r="http://schemas.openxmlformats.org/officeDocument/2006/relationships" xmlns:p="http://schemas.openxmlformats.org/presentationml/2006/main">
+  <p:cSld>
+    <p:spTree>
+      <p:nvGrpSpPr>
+        <p:cNvPr id="1" name=""/>
+        <p:cNvGrpSpPr/>
+        <p:nvPr/>
+      </p:nvGrpSpPr>
+      <p:grpSpPr>
+        <a:xfrm>
+          <a:off x="0" y="0"/>
+          <a:ext cx="0" cy="0"/>
+          <a:chOff x="0" y="0"/>
+          <a:chExt cx="0" cy="0"/>
+        </a:xfrm>
+      </p:grpSpPr>
+      <p:sp>
+        <p:nvSpPr>
+          <p:cNvPr id="2" name="Titel 1">
+            <a:extLst>
+              <a:ext uri="{FF2B5EF4-FFF2-40B4-BE49-F238E27FC236}">
+                <a16:creationId xmlns:a16="http://schemas.microsoft.com/office/drawing/2014/main" id="{BA3E7787-ACFD-4608-B861-108DFD5D9771}"/>
+              </a:ext>
+            </a:extLst>
+          </p:cNvPr>
+          <p:cNvSpPr>
+            <a:spLocks noGrp="1"/>
+          </p:cNvSpPr>
+          <p:nvPr>
+            <p:ph type="title"/>
+          </p:nvPr>
+        </p:nvSpPr>
+        <p:spPr/>
+        <p:txBody>
+          <a:bodyPr>
+            <a:normAutofit/>
+          </a:bodyPr>
+          <a:lstStyle/>
+          <a:p>
+            <a:r>
+              <a:rPr lang="en-US" dirty="0" err="1"/>
+              <a:t>Gelöste</a:t>
+            </a:r>
+            <a:r>
+              <a:rPr lang="en-US" dirty="0"/>
+              <a:t> </a:t>
+            </a:r>
+            <a:r>
+              <a:rPr lang="en-US" dirty="0" err="1"/>
+              <a:t>Probleme</a:t>
+            </a:r>
+            <a:r>
+              <a:rPr lang="en-US" dirty="0"/>
+              <a:t> - Interfaces</a:t>
+            </a:r>
+          </a:p>
+        </p:txBody>
+      </p:sp>
+      <p:sp>
+        <p:nvSpPr>
+          <p:cNvPr id="3" name="Inhaltsplatzhalter 2">
+            <a:extLst>
+              <a:ext uri="{FF2B5EF4-FFF2-40B4-BE49-F238E27FC236}">
+                <a16:creationId xmlns:a16="http://schemas.microsoft.com/office/drawing/2014/main" id="{6697D7DD-14F0-4988-BF38-CB4999DB8801}"/>
+              </a:ext>
+            </a:extLst>
+          </p:cNvPr>
+          <p:cNvSpPr>
+            <a:spLocks noGrp="1"/>
+          </p:cNvSpPr>
+          <p:nvPr>
+            <p:ph idx="1"/>
+          </p:nvPr>
+        </p:nvSpPr>
+        <p:spPr/>
+        <p:txBody>
+          <a:bodyPr/>
+          <a:lstStyle/>
+          <a:p>
+            <a:endParaRPr lang="en-US" dirty="0"/>
+          </a:p>
+        </p:txBody>
+      </p:sp>
+      <p:sp>
+        <p:nvSpPr>
+          <p:cNvPr id="5" name="Fußzeilenplatzhalter 4">
+            <a:extLst>
+              <a:ext uri="{FF2B5EF4-FFF2-40B4-BE49-F238E27FC236}">
+                <a16:creationId xmlns:a16="http://schemas.microsoft.com/office/drawing/2014/main" id="{AA7880CD-BAF7-47B7-A765-87356D91F991}"/>
+              </a:ext>
+            </a:extLst>
+          </p:cNvPr>
+          <p:cNvSpPr>
+            <a:spLocks noGrp="1"/>
+          </p:cNvSpPr>
+          <p:nvPr>
+            <p:ph type="ftr" sz="quarter" idx="11"/>
+          </p:nvPr>
+        </p:nvSpPr>
+        <p:spPr/>
+        <p:txBody>
+          <a:bodyPr/>
+          <a:lstStyle/>
+          <a:p>
+            <a:r>
+              <a:rPr lang="de-DE" dirty="0"/>
+              <a:t>Elevator Control Center – Team C</a:t>
+            </a:r>
+          </a:p>
+        </p:txBody>
+      </p:sp>
+      <p:sp>
+        <p:nvSpPr>
+          <p:cNvPr id="6" name="Foliennummernplatzhalter 5">
+            <a:extLst>
+              <a:ext uri="{FF2B5EF4-FFF2-40B4-BE49-F238E27FC236}">
+                <a16:creationId xmlns:a16="http://schemas.microsoft.com/office/drawing/2014/main" id="{C52BEA7B-051D-4216-A9DC-D7D0D709C31B}"/>
+              </a:ext>
+            </a:extLst>
+          </p:cNvPr>
+          <p:cNvSpPr>
+            <a:spLocks noGrp="1"/>
+          </p:cNvSpPr>
+          <p:nvPr>
+            <p:ph type="sldNum" sz="quarter" idx="12"/>
+          </p:nvPr>
+        </p:nvSpPr>
+        <p:spPr/>
+        <p:txBody>
+          <a:bodyPr/>
+          <a:lstStyle/>
+          <a:p>
+            <a:pPr rtl="0"/>
+            <a:fld id="{A65A5C87-DF58-40C8-B092-1DE63DB4547E}" type="slidenum">
+              <a:rPr lang="de-DE" noProof="0" smtClean="0"/>
+              <a:t>13</a:t>
+            </a:fld>
+            <a:endParaRPr lang="de-DE" noProof="0"/>
+          </a:p>
+        </p:txBody>
+      </p:sp>
+      <p:pic>
+        <p:nvPicPr>
+          <p:cNvPr id="7" name="Grafik 6">
+            <a:extLst>
+              <a:ext uri="{FF2B5EF4-FFF2-40B4-BE49-F238E27FC236}">
+                <a16:creationId xmlns:a16="http://schemas.microsoft.com/office/drawing/2014/main" id="{CF9ACB80-0B04-4D86-9D63-838CB1979AED}"/>
+              </a:ext>
+            </a:extLst>
+          </p:cNvPr>
+          <p:cNvPicPr>
+            <a:picLocks noChangeAspect="1"/>
+          </p:cNvPicPr>
+          <p:nvPr/>
+        </p:nvPicPr>
+        <p:blipFill>
+          <a:blip r:embed="rId2"/>
+          <a:stretch>
+            <a:fillRect/>
+          </a:stretch>
+        </p:blipFill>
+        <p:spPr>
+          <a:xfrm>
+            <a:off x="2023903" y="2393284"/>
+            <a:ext cx="8144193" cy="3645565"/>
+          </a:xfrm>
+          <a:prstGeom prst="rect">
+            <a:avLst/>
+          </a:prstGeom>
+        </p:spPr>
+      </p:pic>
+    </p:spTree>
+    <p:extLst>
+      <p:ext uri="{BB962C8B-B14F-4D97-AF65-F5344CB8AC3E}">
+        <p14:creationId xmlns:p14="http://schemas.microsoft.com/office/powerpoint/2010/main" val="107131781"/>
       </p:ext>
     </p:extLst>
   </p:cSld>
@@ -9782,7 +9973,7 @@
             <a:pPr rtl="0"/>
             <a:r>
               <a:rPr lang="de-DE" dirty="0"/>
-              <a:t>Elevator Control Center</a:t>
+              <a:t>Elevator Control Center – Team C</a:t>
             </a:r>
           </a:p>
         </p:txBody>
@@ -10067,7 +10258,7 @@
             <a:pPr rtl="0"/>
             <a:r>
               <a:rPr lang="de-DE" dirty="0"/>
-              <a:t>Elevator Control Center</a:t>
+              <a:t>Elevator Control Center – Team C</a:t>
             </a:r>
           </a:p>
         </p:txBody>
@@ -10125,7 +10316,7 @@
           <a:p>
             <a:r>
               <a:rPr lang="de-AT" dirty="0"/>
-              <a:t>Unit und Integration Tests</a:t>
+              <a:t>Unit &amp; Integration Tests</a:t>
             </a:r>
             <a:endParaRPr lang="en-US" dirty="0"/>
           </a:p>
@@ -10155,7 +10346,7 @@
             <a:pPr rtl="0"/>
             <a:r>
               <a:rPr lang="de-DE" dirty="0"/>
-              <a:t>Elevator Control Center</a:t>
+              <a:t>Elevator Control Center – Team C</a:t>
             </a:r>
           </a:p>
         </p:txBody>
@@ -10328,7 +10519,7 @@
             <a:pPr rtl="0"/>
             <a:r>
               <a:rPr lang="de-DE" dirty="0"/>
-              <a:t>Elevator Control Center</a:t>
+              <a:t>Elevator Control Center – Team C</a:t>
             </a:r>
           </a:p>
         </p:txBody>
@@ -10516,7 +10707,7 @@
           <a:p>
             <a:r>
               <a:rPr lang="de-DE" dirty="0"/>
-              <a:t>Elevator Control Center</a:t>
+              <a:t>Elevator Control Center – Team C</a:t>
             </a:r>
           </a:p>
         </p:txBody>
@@ -10640,7 +10831,7 @@
           <a:p>
             <a:r>
               <a:rPr lang="de-DE" dirty="0"/>
-              <a:t>Elevator Control Center</a:t>
+              <a:t>Elevator Control Center – Team C</a:t>
             </a:r>
           </a:p>
         </p:txBody>
@@ -10860,7 +11051,7 @@
           <a:p>
             <a:r>
               <a:rPr lang="de-DE" dirty="0"/>
-              <a:t>Elevator Control Center</a:t>
+              <a:t>Elevator Control Center – Team C</a:t>
             </a:r>
           </a:p>
         </p:txBody>
@@ -11078,7 +11269,7 @@
           <a:p>
             <a:r>
               <a:rPr lang="de-DE" dirty="0"/>
-              <a:t>Elevator Control Center</a:t>
+              <a:t>Elevator Control Center – Team C</a:t>
             </a:r>
           </a:p>
         </p:txBody>
@@ -11918,6 +12109,24 @@
 </file>
 
 <file path=customXml/item1.xml><?xml version="1.0" encoding="utf-8"?>
+<?mso-contentType ?>
+<FormTemplates xmlns="http://schemas.microsoft.com/sharepoint/v3/contenttype/forms">
+  <Display>DocumentLibraryForm</Display>
+  <Edit>DocumentLibraryForm</Edit>
+  <New>DocumentLibraryForm</New>
+</FormTemplates>
+</file>
+
+<file path=customXml/item2.xml><?xml version="1.0" encoding="utf-8"?>
+<p:properties xmlns:p="http://schemas.microsoft.com/office/2006/metadata/properties" xmlns:xsi="http://www.w3.org/2001/XMLSchema-instance" xmlns:pc="http://schemas.microsoft.com/office/infopath/2007/PartnerControls">
+  <documentManagement>
+    <Status xmlns="71af3243-3dd4-4a8d-8c0d-dd76da1f02a5">Not started</Status>
+    <MediaServiceKeyPoints xmlns="71af3243-3dd4-4a8d-8c0d-dd76da1f02a5" xsi:nil="true"/>
+  </documentManagement>
+</p:properties>
+</file>
+
+<file path=customXml/item3.xml><?xml version="1.0" encoding="utf-8"?>
 <ct:contentTypeSchema xmlns:ct="http://schemas.microsoft.com/office/2006/metadata/contentType" xmlns:ma="http://schemas.microsoft.com/office/2006/metadata/properties/metaAttributes" ct:_="" ma:_="" ma:contentTypeName="Document" ma:contentTypeID="0x01010079F111ED35F8CC479449609E8A0923A6" ma:contentTypeVersion="12" ma:contentTypeDescription="Create a new document." ma:contentTypeScope="" ma:versionID="426e97fa315356fffbdcd9876fe988c2">
   <xsd:schema xmlns:xsd="http://www.w3.org/2001/XMLSchema" xmlns:xs="http://www.w3.org/2001/XMLSchema" xmlns:p="http://schemas.microsoft.com/office/2006/metadata/properties" xmlns:ns2="71af3243-3dd4-4a8d-8c0d-dd76da1f02a5" xmlns:ns3="16c05727-aa75-4e4a-9b5f-8a80a1165891" targetNamespace="http://schemas.microsoft.com/office/2006/metadata/properties" ma:root="true" ma:fieldsID="14b8f0def80e6d70ce3def20c90759ae" ns2:_="" ns3:_="">
     <xsd:import namespace="71af3243-3dd4-4a8d-8c0d-dd76da1f02a5"/>
@@ -12138,25 +12347,25 @@
 </ct:contentTypeSchema>
 </file>
 
-<file path=customXml/item2.xml><?xml version="1.0" encoding="utf-8"?>
-<p:properties xmlns:p="http://schemas.microsoft.com/office/2006/metadata/properties" xmlns:xsi="http://www.w3.org/2001/XMLSchema-instance" xmlns:pc="http://schemas.microsoft.com/office/infopath/2007/PartnerControls">
-  <documentManagement>
-    <Status xmlns="71af3243-3dd4-4a8d-8c0d-dd76da1f02a5">Not started</Status>
-    <MediaServiceKeyPoints xmlns="71af3243-3dd4-4a8d-8c0d-dd76da1f02a5" xsi:nil="true"/>
-  </documentManagement>
-</p:properties>
+<file path=customXml/itemProps1.xml><?xml version="1.0" encoding="utf-8"?>
+<ds:datastoreItem xmlns:ds="http://schemas.openxmlformats.org/officeDocument/2006/customXml" ds:itemID="{B927DC71-2909-427C-BDB0-3E47E2101517}">
+  <ds:schemaRefs>
+    <ds:schemaRef ds:uri="http://schemas.microsoft.com/sharepoint/v3/contenttype/forms"/>
+  </ds:schemaRefs>
+</ds:datastoreItem>
 </file>
 
-<file path=customXml/item3.xml><?xml version="1.0" encoding="utf-8"?>
-<?mso-contentType ?>
-<FormTemplates xmlns="http://schemas.microsoft.com/sharepoint/v3/contenttype/forms">
-  <Display>DocumentLibraryForm</Display>
-  <Edit>DocumentLibraryForm</Edit>
-  <New>DocumentLibraryForm</New>
-</FormTemplates>
+<file path=customXml/itemProps2.xml><?xml version="1.0" encoding="utf-8"?>
+<ds:datastoreItem xmlns:ds="http://schemas.openxmlformats.org/officeDocument/2006/customXml" ds:itemID="{290D7697-8E53-4EA8-8CBB-9C19575257BF}">
+  <ds:schemaRefs>
+    <ds:schemaRef ds:uri="http://schemas.microsoft.com/office/2006/metadata/properties"/>
+    <ds:schemaRef ds:uri="http://schemas.microsoft.com/office/infopath/2007/PartnerControls"/>
+    <ds:schemaRef ds:uri="71af3243-3dd4-4a8d-8c0d-dd76da1f02a5"/>
+  </ds:schemaRefs>
+</ds:datastoreItem>
 </file>
 
-<file path=customXml/itemProps1.xml><?xml version="1.0" encoding="utf-8"?>
+<file path=customXml/itemProps3.xml><?xml version="1.0" encoding="utf-8"?>
 <ds:datastoreItem xmlns:ds="http://schemas.openxmlformats.org/officeDocument/2006/customXml" ds:itemID="{1DF0A252-5923-47A2-A53A-F9BF72908919}">
   <ds:schemaRefs>
     <ds:schemaRef ds:uri="http://schemas.microsoft.com/office/2006/metadata/contentType"/>
@@ -12173,22 +12382,4 @@
     <ds:schemaRef ds:uri="http://schemas.microsoft.com/internal/obd"/>
   </ds:schemaRefs>
 </ds:datastoreItem>
-</file>
-
-<file path=customXml/itemProps2.xml><?xml version="1.0" encoding="utf-8"?>
-<ds:datastoreItem xmlns:ds="http://schemas.openxmlformats.org/officeDocument/2006/customXml" ds:itemID="{290D7697-8E53-4EA8-8CBB-9C19575257BF}">
-  <ds:schemaRefs>
-    <ds:schemaRef ds:uri="http://schemas.microsoft.com/office/2006/metadata/properties"/>
-    <ds:schemaRef ds:uri="http://schemas.microsoft.com/office/infopath/2007/PartnerControls"/>
-    <ds:schemaRef ds:uri="71af3243-3dd4-4a8d-8c0d-dd76da1f02a5"/>
-  </ds:schemaRefs>
-</ds:datastoreItem>
-</file>
-
-<file path=customXml/itemProps3.xml><?xml version="1.0" encoding="utf-8"?>
-<ds:datastoreItem xmlns:ds="http://schemas.openxmlformats.org/officeDocument/2006/customXml" ds:itemID="{B927DC71-2909-427C-BDB0-3E47E2101517}">
-  <ds:schemaRefs>
-    <ds:schemaRef ds:uri="http://schemas.microsoft.com/sharepoint/v3/contenttype/forms"/>
-  </ds:schemaRefs>
-</ds:datastoreItem>
 </file>